--- a/Listen und Arithmetik.pptx
+++ b/Listen und Arithmetik.pptx
@@ -8,15 +8,15 @@
     <p:sldId id="256" r:id="rId2"/>
     <p:sldId id="262" r:id="rId3"/>
     <p:sldId id="266" r:id="rId4"/>
-    <p:sldId id="257" r:id="rId5"/>
-    <p:sldId id="258" r:id="rId6"/>
-    <p:sldId id="259" r:id="rId7"/>
-    <p:sldId id="260" r:id="rId8"/>
+    <p:sldId id="259" r:id="rId5"/>
+    <p:sldId id="260" r:id="rId6"/>
+    <p:sldId id="257" r:id="rId7"/>
+    <p:sldId id="258" r:id="rId8"/>
     <p:sldId id="263" r:id="rId9"/>
     <p:sldId id="265" r:id="rId10"/>
-    <p:sldId id="261" r:id="rId11"/>
-    <p:sldId id="264" r:id="rId12"/>
-    <p:sldId id="267" r:id="rId13"/>
+    <p:sldId id="264" r:id="rId11"/>
+    <p:sldId id="267" r:id="rId12"/>
+    <p:sldId id="261" r:id="rId13"/>
   </p:sldIdLst>
   <p:sldSz cx="12192000" cy="6858000"/>
   <p:notesSz cx="6858000" cy="9144000"/>
@@ -309,7 +309,7 @@
           <a:p>
             <a:fld id="{4AAD347D-5ACD-4C99-B74B-A9C85AD731AF}" type="datetimeFigureOut">
               <a:rPr lang="en-US" dirty="0"/>
-              <a:t>11/4/2018</a:t>
+              <a:t>11/5/2018</a:t>
             </a:fld>
             <a:endParaRPr lang="en-US" dirty="0"/>
           </a:p>
@@ -579,7 +579,7 @@
           <a:p>
             <a:fld id="{4509A250-FF31-4206-8172-F9D3106AACB1}" type="datetimeFigureOut">
               <a:rPr lang="en-US" dirty="0"/>
-              <a:t>11/4/2018</a:t>
+              <a:t>11/5/2018</a:t>
             </a:fld>
             <a:endParaRPr lang="en-US" dirty="0"/>
           </a:p>
@@ -768,7 +768,7 @@
           <a:p>
             <a:fld id="{4509A250-FF31-4206-8172-F9D3106AACB1}" type="datetimeFigureOut">
               <a:rPr lang="en-US" dirty="0"/>
-              <a:t>11/4/2018</a:t>
+              <a:t>11/5/2018</a:t>
             </a:fld>
             <a:endParaRPr lang="en-US" dirty="0"/>
           </a:p>
@@ -1036,7 +1036,7 @@
           <a:p>
             <a:fld id="{4509A250-FF31-4206-8172-F9D3106AACB1}" type="datetimeFigureOut">
               <a:rPr lang="en-US" dirty="0"/>
-              <a:t>11/4/2018</a:t>
+              <a:t>11/5/2018</a:t>
             </a:fld>
             <a:endParaRPr lang="en-US" dirty="0"/>
           </a:p>
@@ -1372,7 +1372,7 @@
           <a:p>
             <a:fld id="{4509A250-FF31-4206-8172-F9D3106AACB1}" type="datetimeFigureOut">
               <a:rPr lang="en-US" dirty="0"/>
-              <a:t>11/4/2018</a:t>
+              <a:t>11/5/2018</a:t>
             </a:fld>
             <a:endParaRPr lang="en-US" dirty="0"/>
           </a:p>
@@ -1990,7 +1990,7 @@
           <a:p>
             <a:fld id="{4509A250-FF31-4206-8172-F9D3106AACB1}" type="datetimeFigureOut">
               <a:rPr lang="en-US" dirty="0"/>
-              <a:t>11/4/2018</a:t>
+              <a:t>11/5/2018</a:t>
             </a:fld>
             <a:endParaRPr lang="en-US" dirty="0"/>
           </a:p>
@@ -2845,7 +2845,7 @@
           <a:p>
             <a:fld id="{4509A250-FF31-4206-8172-F9D3106AACB1}" type="datetimeFigureOut">
               <a:rPr lang="en-US" dirty="0"/>
-              <a:t>11/4/2018</a:t>
+              <a:t>11/5/2018</a:t>
             </a:fld>
             <a:endParaRPr lang="en-US" dirty="0"/>
           </a:p>
@@ -3010,7 +3010,7 @@
           <a:p>
             <a:fld id="{4509A250-FF31-4206-8172-F9D3106AACB1}" type="datetimeFigureOut">
               <a:rPr lang="en-US" dirty="0"/>
-              <a:t>11/4/2018</a:t>
+              <a:t>11/5/2018</a:t>
             </a:fld>
             <a:endParaRPr lang="en-US" dirty="0"/>
           </a:p>
@@ -3185,7 +3185,7 @@
           <a:p>
             <a:fld id="{4509A250-FF31-4206-8172-F9D3106AACB1}" type="datetimeFigureOut">
               <a:rPr lang="en-US" dirty="0"/>
-              <a:t>11/4/2018</a:t>
+              <a:t>11/5/2018</a:t>
             </a:fld>
             <a:endParaRPr lang="en-US" dirty="0"/>
           </a:p>
@@ -3350,7 +3350,7 @@
           <a:p>
             <a:fld id="{4509A250-FF31-4206-8172-F9D3106AACB1}" type="datetimeFigureOut">
               <a:rPr lang="en-US" dirty="0"/>
-              <a:t>11/4/2018</a:t>
+              <a:t>11/5/2018</a:t>
             </a:fld>
             <a:endParaRPr lang="en-US" dirty="0"/>
           </a:p>
@@ -3592,7 +3592,7 @@
           <a:p>
             <a:fld id="{9796027F-7875-4030-9381-8BD8C4F21935}" type="datetimeFigureOut">
               <a:rPr lang="en-US" dirty="0"/>
-              <a:t>11/4/2018</a:t>
+              <a:t>11/5/2018</a:t>
             </a:fld>
             <a:endParaRPr lang="en-US" dirty="0"/>
           </a:p>
@@ -3879,7 +3879,7 @@
           <a:p>
             <a:fld id="{9796027F-7875-4030-9381-8BD8C4F21935}" type="datetimeFigureOut">
               <a:rPr lang="en-US" dirty="0"/>
-              <a:t>11/4/2018</a:t>
+              <a:t>11/5/2018</a:t>
             </a:fld>
             <a:endParaRPr lang="en-US" dirty="0"/>
           </a:p>
@@ -4318,7 +4318,7 @@
           <a:p>
             <a:fld id="{9796027F-7875-4030-9381-8BD8C4F21935}" type="datetimeFigureOut">
               <a:rPr lang="en-US" dirty="0"/>
-              <a:t>11/4/2018</a:t>
+              <a:t>11/5/2018</a:t>
             </a:fld>
             <a:endParaRPr lang="en-US" dirty="0"/>
           </a:p>
@@ -4431,7 +4431,7 @@
           <a:p>
             <a:fld id="{4509A250-FF31-4206-8172-F9D3106AACB1}" type="datetimeFigureOut">
               <a:rPr lang="en-US" dirty="0"/>
-              <a:t>11/4/2018</a:t>
+              <a:t>11/5/2018</a:t>
             </a:fld>
             <a:endParaRPr lang="en-US" dirty="0"/>
           </a:p>
@@ -4521,7 +4521,7 @@
           <a:p>
             <a:fld id="{4509A250-FF31-4206-8172-F9D3106AACB1}" type="datetimeFigureOut">
               <a:rPr lang="en-US" dirty="0"/>
-              <a:t>11/4/2018</a:t>
+              <a:t>11/5/2018</a:t>
             </a:fld>
             <a:endParaRPr lang="en-US" dirty="0"/>
           </a:p>
@@ -4795,7 +4795,7 @@
           <a:p>
             <a:fld id="{4509A250-FF31-4206-8172-F9D3106AACB1}" type="datetimeFigureOut">
               <a:rPr lang="en-US" dirty="0"/>
-              <a:t>11/4/2018</a:t>
+              <a:t>11/5/2018</a:t>
             </a:fld>
             <a:endParaRPr lang="en-US" dirty="0"/>
           </a:p>
@@ -5065,7 +5065,7 @@
           <a:p>
             <a:fld id="{4509A250-FF31-4206-8172-F9D3106AACB1}" type="datetimeFigureOut">
               <a:rPr lang="en-US" dirty="0"/>
-              <a:t>11/4/2018</a:t>
+              <a:t>11/5/2018</a:t>
             </a:fld>
             <a:endParaRPr lang="en-US" dirty="0"/>
           </a:p>
@@ -5489,7 +5489,7 @@
           <a:p>
             <a:fld id="{4AAD347D-5ACD-4C99-B74B-A9C85AD731AF}" type="datetimeFigureOut">
               <a:rPr lang="en-US" dirty="0"/>
-              <a:t>11/4/2018</a:t>
+              <a:t>11/5/2018</a:t>
             </a:fld>
             <a:endParaRPr lang="en-US" dirty="0"/>
           </a:p>
@@ -6115,14 +6115,6 @@
   <p:clrMapOvr>
     <a:masterClrMapping/>
   </p:clrMapOvr>
-  <mc:AlternateContent xmlns:mc="http://schemas.openxmlformats.org/markup-compatibility/2006">
-    <mc:Choice xmlns:p14="http://schemas.microsoft.com/office/powerpoint/2010/main" Requires="p14">
-      <p:transition spd="slow" p14:dur="2000" advTm="27075"/>
-    </mc:Choice>
-    <mc:Fallback>
-      <p:transition spd="slow" advTm="27075"/>
-    </mc:Fallback>
-  </mc:AlternateContent>
 </p:sld>
 </file>
 
@@ -6166,17 +6158,87 @@
           <a:p>
             <a:r>
               <a:rPr lang="de-DE" dirty="0"/>
-              <a:t>S-Zahlen in Prolog</a:t>
-            </a:r>
-          </a:p>
-        </p:txBody>
-      </p:sp>
-      <p:sp>
-        <p:nvSpPr>
-          <p:cNvPr id="42" name="Rechteck 41">
-            <a:extLst>
-              <a:ext uri="{FF2B5EF4-FFF2-40B4-BE49-F238E27FC236}">
-                <a16:creationId xmlns:a16="http://schemas.microsoft.com/office/drawing/2014/main" id="{EFD8C9EE-386A-42B1-9DEC-0BC0969D7FF8}"/>
+              <a:t>S-Zahlen in Java</a:t>
+            </a:r>
+          </a:p>
+        </p:txBody>
+      </p:sp>
+      <p:sp>
+        <p:nvSpPr>
+          <p:cNvPr id="3" name="Inhaltsplatzhalter 2">
+            <a:extLst>
+              <a:ext uri="{FF2B5EF4-FFF2-40B4-BE49-F238E27FC236}">
+                <a16:creationId xmlns:a16="http://schemas.microsoft.com/office/drawing/2014/main" id="{8FE915C4-D25B-464C-AB12-D4CDD5826997}"/>
+              </a:ext>
+            </a:extLst>
+          </p:cNvPr>
+          <p:cNvSpPr>
+            <a:spLocks noGrp="1"/>
+          </p:cNvSpPr>
+          <p:nvPr>
+            <p:ph idx="1"/>
+          </p:nvPr>
+        </p:nvSpPr>
+        <p:spPr/>
+        <p:txBody>
+          <a:bodyPr/>
+          <a:lstStyle/>
+          <a:p>
+            <a:r>
+              <a:rPr lang="de-DE" dirty="0"/>
+              <a:t>globale Variablen:</a:t>
+            </a:r>
+          </a:p>
+          <a:p>
+            <a:pPr lvl="1"/>
+            <a:r>
+              <a:rPr lang="de-DE" dirty="0"/>
+              <a:t>S: </a:t>
+            </a:r>
+            <a:r>
+              <a:rPr lang="de-DE" dirty="0" err="1"/>
+              <a:t>next</a:t>
+            </a:r>
+            <a:endParaRPr lang="de-DE" dirty="0"/>
+          </a:p>
+          <a:p>
+            <a:r>
+              <a:rPr lang="de-DE" dirty="0"/>
+              <a:t>Konstruktor():</a:t>
+            </a:r>
+          </a:p>
+          <a:p>
+            <a:pPr lvl="1"/>
+            <a:r>
+              <a:rPr lang="de-DE" dirty="0"/>
+              <a:t>1. nichts (0)</a:t>
+            </a:r>
+          </a:p>
+          <a:p>
+            <a:r>
+              <a:rPr lang="de-DE" dirty="0" err="1"/>
+              <a:t>setNext</a:t>
+            </a:r>
+            <a:r>
+              <a:rPr lang="de-DE" dirty="0"/>
+              <a:t>() -&gt; </a:t>
+            </a:r>
+          </a:p>
+          <a:p>
+            <a:pPr lvl="1"/>
+            <a:r>
+              <a:rPr lang="de-DE" dirty="0"/>
+              <a:t>Nächstes Element erstellen</a:t>
+            </a:r>
+          </a:p>
+        </p:txBody>
+      </p:sp>
+      <p:sp>
+        <p:nvSpPr>
+          <p:cNvPr id="4" name="Rechteck 3">
+            <a:extLst>
+              <a:ext uri="{FF2B5EF4-FFF2-40B4-BE49-F238E27FC236}">
+                <a16:creationId xmlns:a16="http://schemas.microsoft.com/office/drawing/2014/main" id="{AE6CB5DB-2CF3-403C-8F73-0A6F1EED50EC}"/>
               </a:ext>
             </a:extLst>
           </p:cNvPr>
@@ -6185,7 +6247,7 @@
         </p:nvSpPr>
         <p:spPr>
           <a:xfrm>
-            <a:off x="1759131" y="4524102"/>
+            <a:off x="6827520" y="5081451"/>
             <a:ext cx="4908958" cy="1506584"/>
           </a:xfrm>
           <a:prstGeom prst="rect">
@@ -6221,10 +6283,10 @@
       </p:sp>
       <p:sp>
         <p:nvSpPr>
-          <p:cNvPr id="43" name="Rechteck 42">
-            <a:extLst>
-              <a:ext uri="{FF2B5EF4-FFF2-40B4-BE49-F238E27FC236}">
-                <a16:creationId xmlns:a16="http://schemas.microsoft.com/office/drawing/2014/main" id="{C52DD499-0363-49AB-A41F-305C965B32EC}"/>
+          <p:cNvPr id="5" name="Rechteck 4">
+            <a:extLst>
+              <a:ext uri="{FF2B5EF4-FFF2-40B4-BE49-F238E27FC236}">
+                <a16:creationId xmlns:a16="http://schemas.microsoft.com/office/drawing/2014/main" id="{164AF109-3833-47BF-A19F-D4C5676D7B49}"/>
               </a:ext>
             </a:extLst>
           </p:cNvPr>
@@ -6233,7 +6295,7 @@
         </p:nvSpPr>
         <p:spPr>
           <a:xfrm>
-            <a:off x="2333897" y="4624251"/>
+            <a:off x="7402286" y="5181600"/>
             <a:ext cx="3937952" cy="1306287"/>
           </a:xfrm>
           <a:prstGeom prst="rect">
@@ -6269,10 +6331,10 @@
       </p:sp>
       <p:sp>
         <p:nvSpPr>
-          <p:cNvPr id="44" name="Rechteck 43">
-            <a:extLst>
-              <a:ext uri="{FF2B5EF4-FFF2-40B4-BE49-F238E27FC236}">
-                <a16:creationId xmlns:a16="http://schemas.microsoft.com/office/drawing/2014/main" id="{593433F5-862C-4744-AB66-C91C86C0294B}"/>
+          <p:cNvPr id="6" name="Rechteck 5">
+            <a:extLst>
+              <a:ext uri="{FF2B5EF4-FFF2-40B4-BE49-F238E27FC236}">
+                <a16:creationId xmlns:a16="http://schemas.microsoft.com/office/drawing/2014/main" id="{912B9D30-46B5-41AF-AD11-48AEA321BE6A}"/>
               </a:ext>
             </a:extLst>
           </p:cNvPr>
@@ -6281,7 +6343,7 @@
         </p:nvSpPr>
         <p:spPr>
           <a:xfrm>
-            <a:off x="3013165" y="4711338"/>
+            <a:off x="8081554" y="5268687"/>
             <a:ext cx="2927763" cy="1149532"/>
           </a:xfrm>
           <a:prstGeom prst="rect">
@@ -6317,10 +6379,10 @@
       </p:sp>
       <p:sp>
         <p:nvSpPr>
-          <p:cNvPr id="45" name="Rechteck 44">
-            <a:extLst>
-              <a:ext uri="{FF2B5EF4-FFF2-40B4-BE49-F238E27FC236}">
-                <a16:creationId xmlns:a16="http://schemas.microsoft.com/office/drawing/2014/main" id="{D4063FA3-286B-42FF-ACDC-17BF3AD377D4}"/>
+          <p:cNvPr id="7" name="Rechteck 6">
+            <a:extLst>
+              <a:ext uri="{FF2B5EF4-FFF2-40B4-BE49-F238E27FC236}">
+                <a16:creationId xmlns:a16="http://schemas.microsoft.com/office/drawing/2014/main" id="{C7255D7D-F58D-4389-998F-17E9C999483E}"/>
               </a:ext>
             </a:extLst>
           </p:cNvPr>
@@ -6329,7 +6391,7 @@
         </p:nvSpPr>
         <p:spPr>
           <a:xfrm>
-            <a:off x="3633152" y="4789716"/>
+            <a:off x="8701541" y="5347065"/>
             <a:ext cx="2029095" cy="984068"/>
           </a:xfrm>
           <a:prstGeom prst="rect">
@@ -6365,10 +6427,10 @@
       </p:sp>
       <p:sp>
         <p:nvSpPr>
-          <p:cNvPr id="46" name="Rechteck 45">
-            <a:extLst>
-              <a:ext uri="{FF2B5EF4-FFF2-40B4-BE49-F238E27FC236}">
-                <a16:creationId xmlns:a16="http://schemas.microsoft.com/office/drawing/2014/main" id="{781BEF48-62ED-4338-89CB-C07FB93775BF}"/>
+          <p:cNvPr id="8" name="Rechteck 7">
+            <a:extLst>
+              <a:ext uri="{FF2B5EF4-FFF2-40B4-BE49-F238E27FC236}">
+                <a16:creationId xmlns:a16="http://schemas.microsoft.com/office/drawing/2014/main" id="{CA9DB571-848D-4C0C-9024-E0C4FCD95173}"/>
               </a:ext>
             </a:extLst>
           </p:cNvPr>
@@ -6377,7 +6439,7 @@
         </p:nvSpPr>
         <p:spPr>
           <a:xfrm>
-            <a:off x="4225336" y="4885508"/>
+            <a:off x="9293725" y="5442857"/>
             <a:ext cx="1254032" cy="844733"/>
           </a:xfrm>
           <a:prstGeom prst="rect">
@@ -6413,10 +6475,10 @@
       </p:sp>
       <p:sp>
         <p:nvSpPr>
-          <p:cNvPr id="47" name="Rechteck 46">
-            <a:extLst>
-              <a:ext uri="{FF2B5EF4-FFF2-40B4-BE49-F238E27FC236}">
-                <a16:creationId xmlns:a16="http://schemas.microsoft.com/office/drawing/2014/main" id="{302C5848-B11A-4965-931B-0A099C5F02C9}"/>
+          <p:cNvPr id="9" name="Rechteck 8">
+            <a:extLst>
+              <a:ext uri="{FF2B5EF4-FFF2-40B4-BE49-F238E27FC236}">
+                <a16:creationId xmlns:a16="http://schemas.microsoft.com/office/drawing/2014/main" id="{98EE9A75-3B22-4CBC-9834-A305D4AB9523}"/>
               </a:ext>
             </a:extLst>
           </p:cNvPr>
@@ -6425,7 +6487,7 @@
         </p:nvSpPr>
         <p:spPr>
           <a:xfrm>
-            <a:off x="4852348" y="4963886"/>
+            <a:off x="9920737" y="5521235"/>
             <a:ext cx="426720" cy="687978"/>
           </a:xfrm>
           <a:prstGeom prst="rect">
@@ -6462,10 +6524,10 @@
       </p:sp>
       <p:sp>
         <p:nvSpPr>
-          <p:cNvPr id="48" name="Textfeld 47">
-            <a:extLst>
-              <a:ext uri="{FF2B5EF4-FFF2-40B4-BE49-F238E27FC236}">
-                <a16:creationId xmlns:a16="http://schemas.microsoft.com/office/drawing/2014/main" id="{5C5CD6D3-2178-463E-AB9A-DE01D3D18D4F}"/>
+          <p:cNvPr id="10" name="Textfeld 9">
+            <a:extLst>
+              <a:ext uri="{FF2B5EF4-FFF2-40B4-BE49-F238E27FC236}">
+                <a16:creationId xmlns:a16="http://schemas.microsoft.com/office/drawing/2014/main" id="{B5828307-6DE7-4009-B6D7-A92B42D33578}"/>
               </a:ext>
             </a:extLst>
           </p:cNvPr>
@@ -6474,7 +6536,7 @@
         </p:nvSpPr>
         <p:spPr>
           <a:xfrm>
-            <a:off x="1847900" y="5015485"/>
+            <a:off x="6916289" y="5572834"/>
             <a:ext cx="655818" cy="584775"/>
           </a:xfrm>
           <a:prstGeom prst="rect">
@@ -6497,10 +6559,10 @@
       </p:sp>
       <p:sp>
         <p:nvSpPr>
-          <p:cNvPr id="49" name="Textfeld 48">
-            <a:extLst>
-              <a:ext uri="{FF2B5EF4-FFF2-40B4-BE49-F238E27FC236}">
-                <a16:creationId xmlns:a16="http://schemas.microsoft.com/office/drawing/2014/main" id="{11E38DAF-3FFB-4867-B8E3-B008FE381CD0}"/>
+          <p:cNvPr id="11" name="Textfeld 10">
+            <a:extLst>
+              <a:ext uri="{FF2B5EF4-FFF2-40B4-BE49-F238E27FC236}">
+                <a16:creationId xmlns:a16="http://schemas.microsoft.com/office/drawing/2014/main" id="{46ECFE81-29A4-487B-AD43-89A12FED580D}"/>
               </a:ext>
             </a:extLst>
           </p:cNvPr>
@@ -6509,7 +6571,7 @@
         </p:nvSpPr>
         <p:spPr>
           <a:xfrm>
-            <a:off x="2425339" y="5015485"/>
+            <a:off x="7493728" y="5572834"/>
             <a:ext cx="655818" cy="584775"/>
           </a:xfrm>
           <a:prstGeom prst="rect">
@@ -6532,10 +6594,10 @@
       </p:sp>
       <p:sp>
         <p:nvSpPr>
-          <p:cNvPr id="50" name="Textfeld 49">
-            <a:extLst>
-              <a:ext uri="{FF2B5EF4-FFF2-40B4-BE49-F238E27FC236}">
-                <a16:creationId xmlns:a16="http://schemas.microsoft.com/office/drawing/2014/main" id="{891B9168-D216-4E4C-8AF9-B4EE1218F18B}"/>
+          <p:cNvPr id="12" name="Textfeld 11">
+            <a:extLst>
+              <a:ext uri="{FF2B5EF4-FFF2-40B4-BE49-F238E27FC236}">
+                <a16:creationId xmlns:a16="http://schemas.microsoft.com/office/drawing/2014/main" id="{875C072B-D552-40A8-913B-3A7339E764BB}"/>
               </a:ext>
             </a:extLst>
           </p:cNvPr>
@@ -6544,7 +6606,7 @@
         </p:nvSpPr>
         <p:spPr>
           <a:xfrm>
-            <a:off x="3129134" y="5015484"/>
+            <a:off x="8197523" y="5572833"/>
             <a:ext cx="655818" cy="584775"/>
           </a:xfrm>
           <a:prstGeom prst="rect">
@@ -6567,10 +6629,10 @@
       </p:sp>
       <p:sp>
         <p:nvSpPr>
-          <p:cNvPr id="51" name="Textfeld 50">
-            <a:extLst>
-              <a:ext uri="{FF2B5EF4-FFF2-40B4-BE49-F238E27FC236}">
-                <a16:creationId xmlns:a16="http://schemas.microsoft.com/office/drawing/2014/main" id="{F7AED5D3-A70E-4AF5-ACED-C5976BC45097}"/>
+          <p:cNvPr id="13" name="Textfeld 12">
+            <a:extLst>
+              <a:ext uri="{FF2B5EF4-FFF2-40B4-BE49-F238E27FC236}">
+                <a16:creationId xmlns:a16="http://schemas.microsoft.com/office/drawing/2014/main" id="{F713709D-A0A6-42F5-8647-93456D908189}"/>
               </a:ext>
             </a:extLst>
           </p:cNvPr>
@@ -6579,7 +6641,7 @@
         </p:nvSpPr>
         <p:spPr>
           <a:xfrm>
-            <a:off x="3725745" y="5015484"/>
+            <a:off x="8794134" y="5572833"/>
             <a:ext cx="655818" cy="584775"/>
           </a:xfrm>
           <a:prstGeom prst="rect">
@@ -6602,10 +6664,10 @@
       </p:sp>
       <p:sp>
         <p:nvSpPr>
-          <p:cNvPr id="52" name="Textfeld 51">
-            <a:extLst>
-              <a:ext uri="{FF2B5EF4-FFF2-40B4-BE49-F238E27FC236}">
-                <a16:creationId xmlns:a16="http://schemas.microsoft.com/office/drawing/2014/main" id="{EFB55879-A087-4171-8185-870DAC0F5ED1}"/>
+          <p:cNvPr id="14" name="Textfeld 13">
+            <a:extLst>
+              <a:ext uri="{FF2B5EF4-FFF2-40B4-BE49-F238E27FC236}">
+                <a16:creationId xmlns:a16="http://schemas.microsoft.com/office/drawing/2014/main" id="{A08DD81B-F7EC-4D08-AE47-F1CB62D682F7}"/>
               </a:ext>
             </a:extLst>
           </p:cNvPr>
@@ -6614,7 +6676,7 @@
         </p:nvSpPr>
         <p:spPr>
           <a:xfrm>
-            <a:off x="4321739" y="5015484"/>
+            <a:off x="9390128" y="5572833"/>
             <a:ext cx="655818" cy="584775"/>
           </a:xfrm>
           <a:prstGeom prst="rect">
@@ -6637,10 +6699,10 @@
       </p:sp>
       <p:sp>
         <p:nvSpPr>
-          <p:cNvPr id="53" name="Textfeld 52">
-            <a:extLst>
-              <a:ext uri="{FF2B5EF4-FFF2-40B4-BE49-F238E27FC236}">
-                <a16:creationId xmlns:a16="http://schemas.microsoft.com/office/drawing/2014/main" id="{666CB58B-80CB-481B-B81F-08F68A3CBEDA}"/>
+          <p:cNvPr id="15" name="Textfeld 14">
+            <a:extLst>
+              <a:ext uri="{FF2B5EF4-FFF2-40B4-BE49-F238E27FC236}">
+                <a16:creationId xmlns:a16="http://schemas.microsoft.com/office/drawing/2014/main" id="{0D711C3D-0ABC-42EB-AD24-790B03B4535D}"/>
               </a:ext>
             </a:extLst>
           </p:cNvPr>
@@ -6649,7 +6711,7 @@
         </p:nvSpPr>
         <p:spPr>
           <a:xfrm>
-            <a:off x="5227157" y="5005479"/>
+            <a:off x="10295546" y="5562828"/>
             <a:ext cx="327909" cy="584775"/>
           </a:xfrm>
           <a:prstGeom prst="rect">
@@ -6672,10 +6734,10 @@
       </p:sp>
       <p:sp>
         <p:nvSpPr>
-          <p:cNvPr id="54" name="Textfeld 53">
-            <a:extLst>
-              <a:ext uri="{FF2B5EF4-FFF2-40B4-BE49-F238E27FC236}">
-                <a16:creationId xmlns:a16="http://schemas.microsoft.com/office/drawing/2014/main" id="{52D09F5B-B34D-4FAC-803B-16C78113D563}"/>
+          <p:cNvPr id="16" name="Textfeld 15">
+            <a:extLst>
+              <a:ext uri="{FF2B5EF4-FFF2-40B4-BE49-F238E27FC236}">
+                <a16:creationId xmlns:a16="http://schemas.microsoft.com/office/drawing/2014/main" id="{A2029B12-0F64-4D3B-A615-B543F4D3F3C9}"/>
               </a:ext>
             </a:extLst>
           </p:cNvPr>
@@ -6684,7 +6746,7 @@
         </p:nvSpPr>
         <p:spPr>
           <a:xfrm>
-            <a:off x="5431652" y="5005478"/>
+            <a:off x="10500041" y="5562827"/>
             <a:ext cx="327909" cy="584775"/>
           </a:xfrm>
           <a:prstGeom prst="rect">
@@ -6707,10 +6769,10 @@
       </p:sp>
       <p:sp>
         <p:nvSpPr>
-          <p:cNvPr id="55" name="Textfeld 54">
-            <a:extLst>
-              <a:ext uri="{FF2B5EF4-FFF2-40B4-BE49-F238E27FC236}">
-                <a16:creationId xmlns:a16="http://schemas.microsoft.com/office/drawing/2014/main" id="{BEB43CBC-67CD-4F72-ACB2-0E2073047D41}"/>
+          <p:cNvPr id="17" name="Textfeld 16">
+            <a:extLst>
+              <a:ext uri="{FF2B5EF4-FFF2-40B4-BE49-F238E27FC236}">
+                <a16:creationId xmlns:a16="http://schemas.microsoft.com/office/drawing/2014/main" id="{4D488FE9-6AE9-4200-AB65-294A713A1DB0}"/>
               </a:ext>
             </a:extLst>
           </p:cNvPr>
@@ -6719,7 +6781,7 @@
         </p:nvSpPr>
         <p:spPr>
           <a:xfrm>
-            <a:off x="5648593" y="5005477"/>
+            <a:off x="10716982" y="5562826"/>
             <a:ext cx="327909" cy="584775"/>
           </a:xfrm>
           <a:prstGeom prst="rect">
@@ -6742,10 +6804,10 @@
       </p:sp>
       <p:sp>
         <p:nvSpPr>
-          <p:cNvPr id="56" name="Textfeld 55">
-            <a:extLst>
-              <a:ext uri="{FF2B5EF4-FFF2-40B4-BE49-F238E27FC236}">
-                <a16:creationId xmlns:a16="http://schemas.microsoft.com/office/drawing/2014/main" id="{9A16F8C4-B7B7-42FF-85C7-17A58F4E5F47}"/>
+          <p:cNvPr id="18" name="Textfeld 17">
+            <a:extLst>
+              <a:ext uri="{FF2B5EF4-FFF2-40B4-BE49-F238E27FC236}">
+                <a16:creationId xmlns:a16="http://schemas.microsoft.com/office/drawing/2014/main" id="{550ABEDA-EF0A-4D2A-9CEC-F52A6F4EDEB2}"/>
               </a:ext>
             </a:extLst>
           </p:cNvPr>
@@ -6754,7 +6816,7 @@
         </p:nvSpPr>
         <p:spPr>
           <a:xfrm>
-            <a:off x="5937654" y="5005477"/>
+            <a:off x="11006043" y="5562826"/>
             <a:ext cx="327909" cy="584775"/>
           </a:xfrm>
           <a:prstGeom prst="rect">
@@ -6777,10 +6839,10 @@
       </p:sp>
       <p:sp>
         <p:nvSpPr>
-          <p:cNvPr id="57" name="Textfeld 56">
-            <a:extLst>
-              <a:ext uri="{FF2B5EF4-FFF2-40B4-BE49-F238E27FC236}">
-                <a16:creationId xmlns:a16="http://schemas.microsoft.com/office/drawing/2014/main" id="{65E57FC9-0573-4278-8B55-4CD641574F05}"/>
+          <p:cNvPr id="19" name="Textfeld 18">
+            <a:extLst>
+              <a:ext uri="{FF2B5EF4-FFF2-40B4-BE49-F238E27FC236}">
+                <a16:creationId xmlns:a16="http://schemas.microsoft.com/office/drawing/2014/main" id="{3F371D70-D33E-44CD-AA81-4BFBF405B731}"/>
               </a:ext>
             </a:extLst>
           </p:cNvPr>
@@ -6789,7 +6851,7 @@
         </p:nvSpPr>
         <p:spPr>
           <a:xfrm>
-            <a:off x="6319668" y="5015485"/>
+            <a:off x="11388057" y="5572834"/>
             <a:ext cx="327909" cy="584775"/>
           </a:xfrm>
           <a:prstGeom prst="rect">
@@ -6812,49 +6874,10 @@
       </p:sp>
       <p:sp>
         <p:nvSpPr>
-          <p:cNvPr id="58" name="Inhaltsplatzhalter 2">
-            <a:extLst>
-              <a:ext uri="{FF2B5EF4-FFF2-40B4-BE49-F238E27FC236}">
-                <a16:creationId xmlns:a16="http://schemas.microsoft.com/office/drawing/2014/main" id="{516CB56A-116F-46B8-A1B2-797AF651E680}"/>
-              </a:ext>
-            </a:extLst>
-          </p:cNvPr>
-          <p:cNvSpPr>
-            <a:spLocks noGrp="1"/>
-          </p:cNvSpPr>
-          <p:nvPr>
-            <p:ph idx="1"/>
-          </p:nvPr>
-        </p:nvSpPr>
-        <p:spPr>
-          <a:xfrm>
-            <a:off x="1103312" y="2052918"/>
-            <a:ext cx="8946541" cy="4195481"/>
-          </a:xfrm>
-        </p:spPr>
-        <p:txBody>
-          <a:bodyPr/>
-          <a:lstStyle/>
-          <a:p>
-            <a:r>
-              <a:rPr lang="de-DE" dirty="0"/>
-              <a:t>Java Klassen </a:t>
-            </a:r>
-          </a:p>
-          <a:p>
-            <a:r>
-              <a:rPr lang="de-DE" dirty="0"/>
-              <a:t>Jede Instanz von S</a:t>
-            </a:r>
-          </a:p>
-        </p:txBody>
-      </p:sp>
-      <p:sp>
-        <p:nvSpPr>
-          <p:cNvPr id="59" name="Textfeld 58">
-            <a:extLst>
-              <a:ext uri="{FF2B5EF4-FFF2-40B4-BE49-F238E27FC236}">
-                <a16:creationId xmlns:a16="http://schemas.microsoft.com/office/drawing/2014/main" id="{C88D16B6-9C9C-4BF2-9CF3-9F0CB4CB4935}"/>
+          <p:cNvPr id="21" name="Textfeld 20">
+            <a:extLst>
+              <a:ext uri="{FF2B5EF4-FFF2-40B4-BE49-F238E27FC236}">
+                <a16:creationId xmlns:a16="http://schemas.microsoft.com/office/drawing/2014/main" id="{01E7FB70-399E-4559-9568-080E707B8C3F}"/>
               </a:ext>
             </a:extLst>
           </p:cNvPr>
@@ -6885,10 +6908,40 @@
           </a:p>
         </p:txBody>
       </p:sp>
+      <p:pic>
+        <p:nvPicPr>
+          <p:cNvPr id="23" name="Grafik 22">
+            <a:extLst>
+              <a:ext uri="{FF2B5EF4-FFF2-40B4-BE49-F238E27FC236}">
+                <a16:creationId xmlns:a16="http://schemas.microsoft.com/office/drawing/2014/main" id="{DBD3B2B4-6810-45F9-ADC2-77C25C0C86E6}"/>
+              </a:ext>
+            </a:extLst>
+          </p:cNvPr>
+          <p:cNvPicPr>
+            <a:picLocks noChangeAspect="1"/>
+          </p:cNvPicPr>
+          <p:nvPr/>
+        </p:nvPicPr>
+        <p:blipFill>
+          <a:blip r:embed="rId2"/>
+          <a:stretch>
+            <a:fillRect/>
+          </a:stretch>
+        </p:blipFill>
+        <p:spPr>
+          <a:xfrm>
+            <a:off x="1654886" y="4576298"/>
+            <a:ext cx="1819275" cy="476250"/>
+          </a:xfrm>
+          <a:prstGeom prst="rect">
+            <a:avLst/>
+          </a:prstGeom>
+        </p:spPr>
+      </p:pic>
     </p:spTree>
     <p:extLst>
       <p:ext uri="{BB962C8B-B14F-4D97-AF65-F5344CB8AC3E}">
-        <p14:creationId xmlns:p14="http://schemas.microsoft.com/office/powerpoint/2010/main" val="995705311"/>
+        <p14:creationId xmlns:p14="http://schemas.microsoft.com/office/powerpoint/2010/main" val="1392270656"/>
       </p:ext>
     </p:extLst>
   </p:cSld>
@@ -6920,7 +6973,7 @@
           <p:cNvPr id="2" name="Titel 1">
             <a:extLst>
               <a:ext uri="{FF2B5EF4-FFF2-40B4-BE49-F238E27FC236}">
-                <a16:creationId xmlns:a16="http://schemas.microsoft.com/office/drawing/2014/main" id="{96805A07-D331-47AC-868B-55F240B20099}"/>
+                <a16:creationId xmlns:a16="http://schemas.microsoft.com/office/drawing/2014/main" id="{4FFB21E3-F8BF-48EE-BF26-D526646AD8B2}"/>
               </a:ext>
             </a:extLst>
           </p:cNvPr>
@@ -6938,7 +6991,7 @@
           <a:p>
             <a:r>
               <a:rPr lang="de-DE" dirty="0"/>
-              <a:t>S-Zahlen in Java</a:t>
+              <a:t>0 in Java</a:t>
             </a:r>
           </a:p>
         </p:txBody>
@@ -6948,7 +7001,7 @@
           <p:cNvPr id="3" name="Inhaltsplatzhalter 2">
             <a:extLst>
               <a:ext uri="{FF2B5EF4-FFF2-40B4-BE49-F238E27FC236}">
-                <a16:creationId xmlns:a16="http://schemas.microsoft.com/office/drawing/2014/main" id="{8FE915C4-D25B-464C-AB12-D4CDD5826997}"/>
+                <a16:creationId xmlns:a16="http://schemas.microsoft.com/office/drawing/2014/main" id="{D9891564-9C9D-4197-BF22-CB45D1BE6343}"/>
               </a:ext>
             </a:extLst>
           </p:cNvPr>
@@ -6966,666 +7019,56 @@
           <a:p>
             <a:r>
               <a:rPr lang="de-DE" dirty="0"/>
-              <a:t>Konstruktor():</a:t>
+              <a:t>0 != Integer sondern</a:t>
+            </a:r>
+          </a:p>
+          <a:p>
+            <a:r>
+              <a:rPr lang="de-DE" dirty="0"/>
+              <a:t>0 == S() mit Konstruktor ohne Parameter</a:t>
             </a:r>
           </a:p>
           <a:p>
             <a:pPr lvl="1"/>
             <a:r>
+              <a:rPr lang="de-DE" dirty="0" err="1"/>
+              <a:t>next</a:t>
+            </a:r>
+            <a:r>
               <a:rPr lang="de-DE" dirty="0"/>
-              <a:t>1. nichts (0)</a:t>
+              <a:t> = null</a:t>
+            </a:r>
+          </a:p>
+          <a:p>
+            <a:r>
+              <a:rPr lang="de-DE" dirty="0" err="1"/>
+              <a:t>isNull</a:t>
+            </a:r>
+            <a:r>
+              <a:rPr lang="de-DE" dirty="0"/>
+              <a:t>():</a:t>
             </a:r>
           </a:p>
           <a:p>
             <a:endParaRPr lang="de-DE" dirty="0"/>
           </a:p>
-        </p:txBody>
-      </p:sp>
-      <p:sp>
-        <p:nvSpPr>
-          <p:cNvPr id="4" name="Rechteck 3">
-            <a:extLst>
-              <a:ext uri="{FF2B5EF4-FFF2-40B4-BE49-F238E27FC236}">
-                <a16:creationId xmlns:a16="http://schemas.microsoft.com/office/drawing/2014/main" id="{AE6CB5DB-2CF3-403C-8F73-0A6F1EED50EC}"/>
-              </a:ext>
-            </a:extLst>
-          </p:cNvPr>
-          <p:cNvSpPr/>
-          <p:nvPr/>
-        </p:nvSpPr>
-        <p:spPr>
-          <a:xfrm>
-            <a:off x="6827520" y="5081451"/>
-            <a:ext cx="4908958" cy="1506584"/>
-          </a:xfrm>
-          <a:prstGeom prst="rect">
-            <a:avLst/>
-          </a:prstGeom>
-        </p:spPr>
-        <p:style>
-          <a:lnRef idx="2">
-            <a:schemeClr val="accent1">
-              <a:shade val="50000"/>
-            </a:schemeClr>
-          </a:lnRef>
-          <a:fillRef idx="1">
-            <a:schemeClr val="accent1"/>
-          </a:fillRef>
-          <a:effectRef idx="0">
-            <a:schemeClr val="accent1"/>
-          </a:effectRef>
-          <a:fontRef idx="minor">
-            <a:schemeClr val="lt1"/>
-          </a:fontRef>
-        </p:style>
-        <p:txBody>
-          <a:bodyPr rtlCol="0" anchor="ctr"/>
-          <a:lstStyle/>
+          <a:p>
+            <a:endParaRPr lang="de-DE" dirty="0"/>
+          </a:p>
           <a:p>
             <a:r>
               <a:rPr lang="de-DE" dirty="0"/>
-              <a:t>  </a:t>
-            </a:r>
-          </a:p>
-        </p:txBody>
-      </p:sp>
-      <p:sp>
-        <p:nvSpPr>
-          <p:cNvPr id="5" name="Rechteck 4">
-            <a:extLst>
-              <a:ext uri="{FF2B5EF4-FFF2-40B4-BE49-F238E27FC236}">
-                <a16:creationId xmlns:a16="http://schemas.microsoft.com/office/drawing/2014/main" id="{164AF109-3833-47BF-A19F-D4C5676D7B49}"/>
-              </a:ext>
-            </a:extLst>
-          </p:cNvPr>
-          <p:cNvSpPr/>
-          <p:nvPr/>
-        </p:nvSpPr>
-        <p:spPr>
-          <a:xfrm>
-            <a:off x="7402286" y="5181600"/>
-            <a:ext cx="3937952" cy="1306287"/>
-          </a:xfrm>
-          <a:prstGeom prst="rect">
-            <a:avLst/>
-          </a:prstGeom>
-        </p:spPr>
-        <p:style>
-          <a:lnRef idx="2">
-            <a:schemeClr val="accent2">
-              <a:shade val="50000"/>
-            </a:schemeClr>
-          </a:lnRef>
-          <a:fillRef idx="1">
-            <a:schemeClr val="accent2"/>
-          </a:fillRef>
-          <a:effectRef idx="0">
-            <a:schemeClr val="accent2"/>
-          </a:effectRef>
-          <a:fontRef idx="minor">
-            <a:schemeClr val="lt1"/>
-          </a:fontRef>
-        </p:style>
-        <p:txBody>
-          <a:bodyPr rtlCol="0" anchor="ctr"/>
-          <a:lstStyle/>
-          <a:p>
-            <a:r>
-              <a:rPr lang="de-DE" dirty="0"/>
-              <a:t> </a:t>
-            </a:r>
-          </a:p>
-        </p:txBody>
-      </p:sp>
-      <p:sp>
-        <p:nvSpPr>
-          <p:cNvPr id="6" name="Rechteck 5">
-            <a:extLst>
-              <a:ext uri="{FF2B5EF4-FFF2-40B4-BE49-F238E27FC236}">
-                <a16:creationId xmlns:a16="http://schemas.microsoft.com/office/drawing/2014/main" id="{912B9D30-46B5-41AF-AD11-48AEA321BE6A}"/>
-              </a:ext>
-            </a:extLst>
-          </p:cNvPr>
-          <p:cNvSpPr/>
-          <p:nvPr/>
-        </p:nvSpPr>
-        <p:spPr>
-          <a:xfrm>
-            <a:off x="8081554" y="5268687"/>
-            <a:ext cx="2927763" cy="1149532"/>
-          </a:xfrm>
-          <a:prstGeom prst="rect">
-            <a:avLst/>
-          </a:prstGeom>
-        </p:spPr>
-        <p:style>
-          <a:lnRef idx="2">
-            <a:schemeClr val="accent3">
-              <a:shade val="50000"/>
-            </a:schemeClr>
-          </a:lnRef>
-          <a:fillRef idx="1">
-            <a:schemeClr val="accent3"/>
-          </a:fillRef>
-          <a:effectRef idx="0">
-            <a:schemeClr val="accent3"/>
-          </a:effectRef>
-          <a:fontRef idx="minor">
-            <a:schemeClr val="lt1"/>
-          </a:fontRef>
-        </p:style>
-        <p:txBody>
-          <a:bodyPr rtlCol="0" anchor="ctr"/>
-          <a:lstStyle/>
-          <a:p>
-            <a:r>
-              <a:rPr lang="de-DE" dirty="0"/>
-              <a:t> </a:t>
-            </a:r>
-          </a:p>
-        </p:txBody>
-      </p:sp>
-      <p:sp>
-        <p:nvSpPr>
-          <p:cNvPr id="7" name="Rechteck 6">
-            <a:extLst>
-              <a:ext uri="{FF2B5EF4-FFF2-40B4-BE49-F238E27FC236}">
-                <a16:creationId xmlns:a16="http://schemas.microsoft.com/office/drawing/2014/main" id="{C7255D7D-F58D-4389-998F-17E9C999483E}"/>
-              </a:ext>
-            </a:extLst>
-          </p:cNvPr>
-          <p:cNvSpPr/>
-          <p:nvPr/>
-        </p:nvSpPr>
-        <p:spPr>
-          <a:xfrm>
-            <a:off x="8701541" y="5347065"/>
-            <a:ext cx="2029095" cy="984068"/>
-          </a:xfrm>
-          <a:prstGeom prst="rect">
-            <a:avLst/>
-          </a:prstGeom>
-        </p:spPr>
-        <p:style>
-          <a:lnRef idx="2">
-            <a:schemeClr val="accent4">
-              <a:shade val="50000"/>
-            </a:schemeClr>
-          </a:lnRef>
-          <a:fillRef idx="1">
-            <a:schemeClr val="accent4"/>
-          </a:fillRef>
-          <a:effectRef idx="0">
-            <a:schemeClr val="accent4"/>
-          </a:effectRef>
-          <a:fontRef idx="minor">
-            <a:schemeClr val="lt1"/>
-          </a:fontRef>
-        </p:style>
-        <p:txBody>
-          <a:bodyPr rtlCol="0" anchor="ctr"/>
-          <a:lstStyle/>
-          <a:p>
-            <a:r>
-              <a:rPr lang="de-DE" dirty="0"/>
-              <a:t> </a:t>
-            </a:r>
-          </a:p>
-        </p:txBody>
-      </p:sp>
-      <p:sp>
-        <p:nvSpPr>
-          <p:cNvPr id="8" name="Rechteck 7">
-            <a:extLst>
-              <a:ext uri="{FF2B5EF4-FFF2-40B4-BE49-F238E27FC236}">
-                <a16:creationId xmlns:a16="http://schemas.microsoft.com/office/drawing/2014/main" id="{CA9DB571-848D-4C0C-9024-E0C4FCD95173}"/>
-              </a:ext>
-            </a:extLst>
-          </p:cNvPr>
-          <p:cNvSpPr/>
-          <p:nvPr/>
-        </p:nvSpPr>
-        <p:spPr>
-          <a:xfrm>
-            <a:off x="9293725" y="5442857"/>
-            <a:ext cx="1254032" cy="844733"/>
-          </a:xfrm>
-          <a:prstGeom prst="rect">
-            <a:avLst/>
-          </a:prstGeom>
-        </p:spPr>
-        <p:style>
-          <a:lnRef idx="2">
-            <a:schemeClr val="accent5">
-              <a:shade val="50000"/>
-            </a:schemeClr>
-          </a:lnRef>
-          <a:fillRef idx="1">
-            <a:schemeClr val="accent5"/>
-          </a:fillRef>
-          <a:effectRef idx="0">
-            <a:schemeClr val="accent5"/>
-          </a:effectRef>
-          <a:fontRef idx="minor">
-            <a:schemeClr val="lt1"/>
-          </a:fontRef>
-        </p:style>
-        <p:txBody>
-          <a:bodyPr rtlCol="0" anchor="ctr"/>
-          <a:lstStyle/>
-          <a:p>
-            <a:r>
-              <a:rPr lang="de-DE" dirty="0"/>
-              <a:t> </a:t>
-            </a:r>
-          </a:p>
-        </p:txBody>
-      </p:sp>
-      <p:sp>
-        <p:nvSpPr>
-          <p:cNvPr id="9" name="Rechteck 8">
-            <a:extLst>
-              <a:ext uri="{FF2B5EF4-FFF2-40B4-BE49-F238E27FC236}">
-                <a16:creationId xmlns:a16="http://schemas.microsoft.com/office/drawing/2014/main" id="{98EE9A75-3B22-4CBC-9834-A305D4AB9523}"/>
-              </a:ext>
-            </a:extLst>
-          </p:cNvPr>
-          <p:cNvSpPr/>
-          <p:nvPr/>
-        </p:nvSpPr>
-        <p:spPr>
-          <a:xfrm>
-            <a:off x="9920737" y="5521235"/>
-            <a:ext cx="426720" cy="687978"/>
-          </a:xfrm>
-          <a:prstGeom prst="rect">
-            <a:avLst/>
-          </a:prstGeom>
-        </p:spPr>
-        <p:style>
-          <a:lnRef idx="2">
-            <a:schemeClr val="accent6">
-              <a:shade val="50000"/>
-            </a:schemeClr>
-          </a:lnRef>
-          <a:fillRef idx="1">
-            <a:schemeClr val="accent6"/>
-          </a:fillRef>
-          <a:effectRef idx="0">
-            <a:schemeClr val="accent6"/>
-          </a:effectRef>
-          <a:fontRef idx="minor">
-            <a:schemeClr val="lt1"/>
-          </a:fontRef>
-        </p:style>
-        <p:txBody>
-          <a:bodyPr rtlCol="0" anchor="ctr"/>
-          <a:lstStyle/>
-          <a:p>
-            <a:pPr algn="ctr"/>
-            <a:r>
-              <a:rPr lang="de-DE" dirty="0"/>
-              <a:t>0</a:t>
-            </a:r>
-          </a:p>
-        </p:txBody>
-      </p:sp>
-      <p:sp>
-        <p:nvSpPr>
-          <p:cNvPr id="10" name="Textfeld 9">
-            <a:extLst>
-              <a:ext uri="{FF2B5EF4-FFF2-40B4-BE49-F238E27FC236}">
-                <a16:creationId xmlns:a16="http://schemas.microsoft.com/office/drawing/2014/main" id="{B5828307-6DE7-4009-B6D7-A92B42D33578}"/>
-              </a:ext>
-            </a:extLst>
-          </p:cNvPr>
-          <p:cNvSpPr txBox="1"/>
-          <p:nvPr/>
-        </p:nvSpPr>
-        <p:spPr>
-          <a:xfrm>
-            <a:off x="6916289" y="5572834"/>
-            <a:ext cx="655818" cy="584775"/>
-          </a:xfrm>
-          <a:prstGeom prst="rect">
-            <a:avLst/>
-          </a:prstGeom>
-          <a:noFill/>
-        </p:spPr>
-        <p:txBody>
-          <a:bodyPr wrap="square" rtlCol="0">
-            <a:spAutoFit/>
-          </a:bodyPr>
-          <a:lstStyle/>
-          <a:p>
-            <a:r>
-              <a:rPr lang="de-DE" sz="3200" dirty="0"/>
-              <a:t>S(</a:t>
-            </a:r>
-          </a:p>
-        </p:txBody>
-      </p:sp>
-      <p:sp>
-        <p:nvSpPr>
-          <p:cNvPr id="11" name="Textfeld 10">
-            <a:extLst>
-              <a:ext uri="{FF2B5EF4-FFF2-40B4-BE49-F238E27FC236}">
-                <a16:creationId xmlns:a16="http://schemas.microsoft.com/office/drawing/2014/main" id="{46ECFE81-29A4-487B-AD43-89A12FED580D}"/>
-              </a:ext>
-            </a:extLst>
-          </p:cNvPr>
-          <p:cNvSpPr txBox="1"/>
-          <p:nvPr/>
-        </p:nvSpPr>
-        <p:spPr>
-          <a:xfrm>
-            <a:off x="7493728" y="5572834"/>
-            <a:ext cx="655818" cy="584775"/>
-          </a:xfrm>
-          <a:prstGeom prst="rect">
-            <a:avLst/>
-          </a:prstGeom>
-          <a:noFill/>
-        </p:spPr>
-        <p:txBody>
-          <a:bodyPr wrap="square" rtlCol="0">
-            <a:spAutoFit/>
-          </a:bodyPr>
-          <a:lstStyle/>
-          <a:p>
-            <a:r>
-              <a:rPr lang="de-DE" sz="3200" dirty="0"/>
-              <a:t>S(</a:t>
-            </a:r>
-          </a:p>
-        </p:txBody>
-      </p:sp>
-      <p:sp>
-        <p:nvSpPr>
-          <p:cNvPr id="12" name="Textfeld 11">
-            <a:extLst>
-              <a:ext uri="{FF2B5EF4-FFF2-40B4-BE49-F238E27FC236}">
-                <a16:creationId xmlns:a16="http://schemas.microsoft.com/office/drawing/2014/main" id="{875C072B-D552-40A8-913B-3A7339E764BB}"/>
-              </a:ext>
-            </a:extLst>
-          </p:cNvPr>
-          <p:cNvSpPr txBox="1"/>
-          <p:nvPr/>
-        </p:nvSpPr>
-        <p:spPr>
-          <a:xfrm>
-            <a:off x="8197523" y="5572833"/>
-            <a:ext cx="655818" cy="584775"/>
-          </a:xfrm>
-          <a:prstGeom prst="rect">
-            <a:avLst/>
-          </a:prstGeom>
-          <a:noFill/>
-        </p:spPr>
-        <p:txBody>
-          <a:bodyPr wrap="square" rtlCol="0">
-            <a:spAutoFit/>
-          </a:bodyPr>
-          <a:lstStyle/>
-          <a:p>
-            <a:r>
-              <a:rPr lang="de-DE" sz="3200" dirty="0"/>
-              <a:t>S(</a:t>
-            </a:r>
-          </a:p>
-        </p:txBody>
-      </p:sp>
-      <p:sp>
-        <p:nvSpPr>
-          <p:cNvPr id="13" name="Textfeld 12">
-            <a:extLst>
-              <a:ext uri="{FF2B5EF4-FFF2-40B4-BE49-F238E27FC236}">
-                <a16:creationId xmlns:a16="http://schemas.microsoft.com/office/drawing/2014/main" id="{F713709D-A0A6-42F5-8647-93456D908189}"/>
-              </a:ext>
-            </a:extLst>
-          </p:cNvPr>
-          <p:cNvSpPr txBox="1"/>
-          <p:nvPr/>
-        </p:nvSpPr>
-        <p:spPr>
-          <a:xfrm>
-            <a:off x="8794134" y="5572833"/>
-            <a:ext cx="655818" cy="584775"/>
-          </a:xfrm>
-          <a:prstGeom prst="rect">
-            <a:avLst/>
-          </a:prstGeom>
-          <a:noFill/>
-        </p:spPr>
-        <p:txBody>
-          <a:bodyPr wrap="square" rtlCol="0">
-            <a:spAutoFit/>
-          </a:bodyPr>
-          <a:lstStyle/>
-          <a:p>
-            <a:r>
-              <a:rPr lang="de-DE" sz="3200" dirty="0"/>
-              <a:t>S(</a:t>
-            </a:r>
-          </a:p>
-        </p:txBody>
-      </p:sp>
-      <p:sp>
-        <p:nvSpPr>
-          <p:cNvPr id="14" name="Textfeld 13">
-            <a:extLst>
-              <a:ext uri="{FF2B5EF4-FFF2-40B4-BE49-F238E27FC236}">
-                <a16:creationId xmlns:a16="http://schemas.microsoft.com/office/drawing/2014/main" id="{A08DD81B-F7EC-4D08-AE47-F1CB62D682F7}"/>
-              </a:ext>
-            </a:extLst>
-          </p:cNvPr>
-          <p:cNvSpPr txBox="1"/>
-          <p:nvPr/>
-        </p:nvSpPr>
-        <p:spPr>
-          <a:xfrm>
-            <a:off x="9390128" y="5572833"/>
-            <a:ext cx="655818" cy="584775"/>
-          </a:xfrm>
-          <a:prstGeom prst="rect">
-            <a:avLst/>
-          </a:prstGeom>
-          <a:noFill/>
-        </p:spPr>
-        <p:txBody>
-          <a:bodyPr wrap="square" rtlCol="0">
-            <a:spAutoFit/>
-          </a:bodyPr>
-          <a:lstStyle/>
-          <a:p>
-            <a:r>
-              <a:rPr lang="de-DE" sz="3200" dirty="0"/>
-              <a:t>S(</a:t>
-            </a:r>
-          </a:p>
-        </p:txBody>
-      </p:sp>
-      <p:sp>
-        <p:nvSpPr>
-          <p:cNvPr id="15" name="Textfeld 14">
-            <a:extLst>
-              <a:ext uri="{FF2B5EF4-FFF2-40B4-BE49-F238E27FC236}">
-                <a16:creationId xmlns:a16="http://schemas.microsoft.com/office/drawing/2014/main" id="{0D711C3D-0ABC-42EB-AD24-790B03B4535D}"/>
-              </a:ext>
-            </a:extLst>
-          </p:cNvPr>
-          <p:cNvSpPr txBox="1"/>
-          <p:nvPr/>
-        </p:nvSpPr>
-        <p:spPr>
-          <a:xfrm>
-            <a:off x="10295546" y="5562828"/>
-            <a:ext cx="327909" cy="584775"/>
-          </a:xfrm>
-          <a:prstGeom prst="rect">
-            <a:avLst/>
-          </a:prstGeom>
-          <a:noFill/>
-        </p:spPr>
-        <p:txBody>
-          <a:bodyPr wrap="square" rtlCol="0">
-            <a:spAutoFit/>
-          </a:bodyPr>
-          <a:lstStyle/>
-          <a:p>
-            <a:r>
-              <a:rPr lang="de-DE" sz="3200" dirty="0"/>
-              <a:t>)</a:t>
-            </a:r>
-          </a:p>
-        </p:txBody>
-      </p:sp>
-      <p:sp>
-        <p:nvSpPr>
-          <p:cNvPr id="16" name="Textfeld 15">
-            <a:extLst>
-              <a:ext uri="{FF2B5EF4-FFF2-40B4-BE49-F238E27FC236}">
-                <a16:creationId xmlns:a16="http://schemas.microsoft.com/office/drawing/2014/main" id="{A2029B12-0F64-4D3B-A615-B543F4D3F3C9}"/>
-              </a:ext>
-            </a:extLst>
-          </p:cNvPr>
-          <p:cNvSpPr txBox="1"/>
-          <p:nvPr/>
-        </p:nvSpPr>
-        <p:spPr>
-          <a:xfrm>
-            <a:off x="10500041" y="5562827"/>
-            <a:ext cx="327909" cy="584775"/>
-          </a:xfrm>
-          <a:prstGeom prst="rect">
-            <a:avLst/>
-          </a:prstGeom>
-          <a:noFill/>
-        </p:spPr>
-        <p:txBody>
-          <a:bodyPr wrap="square" rtlCol="0">
-            <a:spAutoFit/>
-          </a:bodyPr>
-          <a:lstStyle/>
-          <a:p>
-            <a:r>
-              <a:rPr lang="de-DE" sz="3200" dirty="0"/>
-              <a:t>)</a:t>
-            </a:r>
-          </a:p>
-        </p:txBody>
-      </p:sp>
-      <p:sp>
-        <p:nvSpPr>
-          <p:cNvPr id="17" name="Textfeld 16">
-            <a:extLst>
-              <a:ext uri="{FF2B5EF4-FFF2-40B4-BE49-F238E27FC236}">
-                <a16:creationId xmlns:a16="http://schemas.microsoft.com/office/drawing/2014/main" id="{4D488FE9-6AE9-4200-AB65-294A713A1DB0}"/>
-              </a:ext>
-            </a:extLst>
-          </p:cNvPr>
-          <p:cNvSpPr txBox="1"/>
-          <p:nvPr/>
-        </p:nvSpPr>
-        <p:spPr>
-          <a:xfrm>
-            <a:off x="10716982" y="5562826"/>
-            <a:ext cx="327909" cy="584775"/>
-          </a:xfrm>
-          <a:prstGeom prst="rect">
-            <a:avLst/>
-          </a:prstGeom>
-          <a:noFill/>
-        </p:spPr>
-        <p:txBody>
-          <a:bodyPr wrap="square" rtlCol="0">
-            <a:spAutoFit/>
-          </a:bodyPr>
-          <a:lstStyle/>
-          <a:p>
-            <a:r>
-              <a:rPr lang="de-DE" sz="3200" dirty="0"/>
-              <a:t>)</a:t>
-            </a:r>
-          </a:p>
-        </p:txBody>
-      </p:sp>
-      <p:sp>
-        <p:nvSpPr>
-          <p:cNvPr id="18" name="Textfeld 17">
-            <a:extLst>
-              <a:ext uri="{FF2B5EF4-FFF2-40B4-BE49-F238E27FC236}">
-                <a16:creationId xmlns:a16="http://schemas.microsoft.com/office/drawing/2014/main" id="{550ABEDA-EF0A-4D2A-9CEC-F52A6F4EDEB2}"/>
-              </a:ext>
-            </a:extLst>
-          </p:cNvPr>
-          <p:cNvSpPr txBox="1"/>
-          <p:nvPr/>
-        </p:nvSpPr>
-        <p:spPr>
-          <a:xfrm>
-            <a:off x="11006043" y="5562826"/>
-            <a:ext cx="327909" cy="584775"/>
-          </a:xfrm>
-          <a:prstGeom prst="rect">
-            <a:avLst/>
-          </a:prstGeom>
-          <a:noFill/>
-        </p:spPr>
-        <p:txBody>
-          <a:bodyPr wrap="square" rtlCol="0">
-            <a:spAutoFit/>
-          </a:bodyPr>
-          <a:lstStyle/>
-          <a:p>
-            <a:r>
-              <a:rPr lang="de-DE" sz="3200" dirty="0"/>
-              <a:t>)</a:t>
-            </a:r>
-          </a:p>
-        </p:txBody>
-      </p:sp>
-      <p:sp>
-        <p:nvSpPr>
-          <p:cNvPr id="19" name="Textfeld 18">
-            <a:extLst>
-              <a:ext uri="{FF2B5EF4-FFF2-40B4-BE49-F238E27FC236}">
-                <a16:creationId xmlns:a16="http://schemas.microsoft.com/office/drawing/2014/main" id="{3F371D70-D33E-44CD-AA81-4BFBF405B731}"/>
-              </a:ext>
-            </a:extLst>
-          </p:cNvPr>
-          <p:cNvSpPr txBox="1"/>
-          <p:nvPr/>
-        </p:nvSpPr>
-        <p:spPr>
-          <a:xfrm>
-            <a:off x="11388057" y="5572834"/>
-            <a:ext cx="327909" cy="584775"/>
-          </a:xfrm>
-          <a:prstGeom prst="rect">
-            <a:avLst/>
-          </a:prstGeom>
-          <a:noFill/>
-        </p:spPr>
-        <p:txBody>
-          <a:bodyPr wrap="square" rtlCol="0">
-            <a:spAutoFit/>
-          </a:bodyPr>
-          <a:lstStyle/>
-          <a:p>
-            <a:r>
-              <a:rPr lang="de-DE" sz="3200" dirty="0"/>
-              <a:t>)</a:t>
-            </a:r>
-          </a:p>
-        </p:txBody>
-      </p:sp>
-      <p:sp>
-        <p:nvSpPr>
-          <p:cNvPr id="21" name="Textfeld 20">
-            <a:extLst>
-              <a:ext uri="{FF2B5EF4-FFF2-40B4-BE49-F238E27FC236}">
-                <a16:creationId xmlns:a16="http://schemas.microsoft.com/office/drawing/2014/main" id="{01E7FB70-399E-4559-9568-080E707B8C3F}"/>
+              <a:t>Optisch:</a:t>
+            </a:r>
+          </a:p>
+        </p:txBody>
+      </p:sp>
+      <p:sp>
+        <p:nvSpPr>
+          <p:cNvPr id="5" name="Textfeld 4">
+            <a:extLst>
+              <a:ext uri="{FF2B5EF4-FFF2-40B4-BE49-F238E27FC236}">
+                <a16:creationId xmlns:a16="http://schemas.microsoft.com/office/drawing/2014/main" id="{F7C08830-2E72-4A93-BE56-DD1D2F880007}"/>
               </a:ext>
             </a:extLst>
           </p:cNvPr>
@@ -7658,10 +7101,10 @@
       </p:sp>
       <p:pic>
         <p:nvPicPr>
-          <p:cNvPr id="22" name="Grafik 21">
-            <a:extLst>
-              <a:ext uri="{FF2B5EF4-FFF2-40B4-BE49-F238E27FC236}">
-                <a16:creationId xmlns:a16="http://schemas.microsoft.com/office/drawing/2014/main" id="{9E0AB9E9-72C7-4B01-A2CF-5A3FB71D942E}"/>
+          <p:cNvPr id="6" name="Grafik 5">
+            <a:extLst>
+              <a:ext uri="{FF2B5EF4-FFF2-40B4-BE49-F238E27FC236}">
+                <a16:creationId xmlns:a16="http://schemas.microsoft.com/office/drawing/2014/main" id="{5339A411-BAA5-4EE2-B86F-6B09A7C12A60}"/>
               </a:ext>
             </a:extLst>
           </p:cNvPr>
@@ -7670,15 +7113,46 @@
           </p:cNvPicPr>
           <p:nvPr/>
         </p:nvPicPr>
-        <p:blipFill rotWithShape="1">
+        <p:blipFill>
           <a:blip r:embed="rId2"/>
-          <a:srcRect r="37791" b="62617"/>
-          <a:stretch/>
+          <a:stretch>
+            <a:fillRect/>
+          </a:stretch>
         </p:blipFill>
         <p:spPr>
           <a:xfrm>
-            <a:off x="3687674" y="2498754"/>
-            <a:ext cx="953995" cy="348949"/>
+            <a:off x="1511682" y="3693564"/>
+            <a:ext cx="1895475" cy="542925"/>
+          </a:xfrm>
+          <a:prstGeom prst="rect">
+            <a:avLst/>
+          </a:prstGeom>
+        </p:spPr>
+      </p:pic>
+      <p:pic>
+        <p:nvPicPr>
+          <p:cNvPr id="7" name="Grafik 6">
+            <a:extLst>
+              <a:ext uri="{FF2B5EF4-FFF2-40B4-BE49-F238E27FC236}">
+                <a16:creationId xmlns:a16="http://schemas.microsoft.com/office/drawing/2014/main" id="{EF75357F-FDA1-4589-B2E1-60888BF759FA}"/>
+              </a:ext>
+            </a:extLst>
+          </p:cNvPr>
+          <p:cNvPicPr>
+            <a:picLocks noChangeAspect="1"/>
+          </p:cNvPicPr>
+          <p:nvPr/>
+        </p:nvPicPr>
+        <p:blipFill>
+          <a:blip r:embed="rId3"/>
+          <a:stretch>
+            <a:fillRect/>
+          </a:stretch>
+        </p:blipFill>
+        <p:spPr>
+          <a:xfrm>
+            <a:off x="1511682" y="4965110"/>
+            <a:ext cx="3067050" cy="1238250"/>
           </a:xfrm>
           <a:prstGeom prst="rect">
             <a:avLst/>
@@ -7688,7 +7162,7 @@
     </p:spTree>
     <p:extLst>
       <p:ext uri="{BB962C8B-B14F-4D97-AF65-F5344CB8AC3E}">
-        <p14:creationId xmlns:p14="http://schemas.microsoft.com/office/powerpoint/2010/main" val="1392270656"/>
+        <p14:creationId xmlns:p14="http://schemas.microsoft.com/office/powerpoint/2010/main" val="812982058"/>
       </p:ext>
     </p:extLst>
   </p:cSld>
@@ -7720,7 +7194,7 @@
           <p:cNvPr id="2" name="Titel 1">
             <a:extLst>
               <a:ext uri="{FF2B5EF4-FFF2-40B4-BE49-F238E27FC236}">
-                <a16:creationId xmlns:a16="http://schemas.microsoft.com/office/drawing/2014/main" id="{4FFB21E3-F8BF-48EE-BF26-D526646AD8B2}"/>
+                <a16:creationId xmlns:a16="http://schemas.microsoft.com/office/drawing/2014/main" id="{96805A07-D331-47AC-868B-55F240B20099}"/>
               </a:ext>
             </a:extLst>
           </p:cNvPr>
@@ -7738,17 +7212,656 @@
           <a:p>
             <a:r>
               <a:rPr lang="de-DE" dirty="0"/>
-              <a:t>0 in Java</a:t>
-            </a:r>
-          </a:p>
-        </p:txBody>
-      </p:sp>
-      <p:sp>
-        <p:nvSpPr>
-          <p:cNvPr id="3" name="Inhaltsplatzhalter 2">
-            <a:extLst>
-              <a:ext uri="{FF2B5EF4-FFF2-40B4-BE49-F238E27FC236}">
-                <a16:creationId xmlns:a16="http://schemas.microsoft.com/office/drawing/2014/main" id="{D9891564-9C9D-4197-BF22-CB45D1BE6343}"/>
+              <a:t>S-Zahlen in Prolog</a:t>
+            </a:r>
+          </a:p>
+        </p:txBody>
+      </p:sp>
+      <p:sp>
+        <p:nvSpPr>
+          <p:cNvPr id="42" name="Rechteck 41">
+            <a:extLst>
+              <a:ext uri="{FF2B5EF4-FFF2-40B4-BE49-F238E27FC236}">
+                <a16:creationId xmlns:a16="http://schemas.microsoft.com/office/drawing/2014/main" id="{EFD8C9EE-386A-42B1-9DEC-0BC0969D7FF8}"/>
+              </a:ext>
+            </a:extLst>
+          </p:cNvPr>
+          <p:cNvSpPr/>
+          <p:nvPr/>
+        </p:nvSpPr>
+        <p:spPr>
+          <a:xfrm>
+            <a:off x="1759131" y="4524102"/>
+            <a:ext cx="4908958" cy="1506584"/>
+          </a:xfrm>
+          <a:prstGeom prst="rect">
+            <a:avLst/>
+          </a:prstGeom>
+        </p:spPr>
+        <p:style>
+          <a:lnRef idx="2">
+            <a:schemeClr val="accent1">
+              <a:shade val="50000"/>
+            </a:schemeClr>
+          </a:lnRef>
+          <a:fillRef idx="1">
+            <a:schemeClr val="accent1"/>
+          </a:fillRef>
+          <a:effectRef idx="0">
+            <a:schemeClr val="accent1"/>
+          </a:effectRef>
+          <a:fontRef idx="minor">
+            <a:schemeClr val="lt1"/>
+          </a:fontRef>
+        </p:style>
+        <p:txBody>
+          <a:bodyPr rtlCol="0" anchor="ctr"/>
+          <a:lstStyle/>
+          <a:p>
+            <a:r>
+              <a:rPr lang="de-DE" dirty="0"/>
+              <a:t>  </a:t>
+            </a:r>
+          </a:p>
+        </p:txBody>
+      </p:sp>
+      <p:sp>
+        <p:nvSpPr>
+          <p:cNvPr id="43" name="Rechteck 42">
+            <a:extLst>
+              <a:ext uri="{FF2B5EF4-FFF2-40B4-BE49-F238E27FC236}">
+                <a16:creationId xmlns:a16="http://schemas.microsoft.com/office/drawing/2014/main" id="{C52DD499-0363-49AB-A41F-305C965B32EC}"/>
+              </a:ext>
+            </a:extLst>
+          </p:cNvPr>
+          <p:cNvSpPr/>
+          <p:nvPr/>
+        </p:nvSpPr>
+        <p:spPr>
+          <a:xfrm>
+            <a:off x="2333897" y="4624251"/>
+            <a:ext cx="3937952" cy="1306287"/>
+          </a:xfrm>
+          <a:prstGeom prst="rect">
+            <a:avLst/>
+          </a:prstGeom>
+        </p:spPr>
+        <p:style>
+          <a:lnRef idx="2">
+            <a:schemeClr val="accent2">
+              <a:shade val="50000"/>
+            </a:schemeClr>
+          </a:lnRef>
+          <a:fillRef idx="1">
+            <a:schemeClr val="accent2"/>
+          </a:fillRef>
+          <a:effectRef idx="0">
+            <a:schemeClr val="accent2"/>
+          </a:effectRef>
+          <a:fontRef idx="minor">
+            <a:schemeClr val="lt1"/>
+          </a:fontRef>
+        </p:style>
+        <p:txBody>
+          <a:bodyPr rtlCol="0" anchor="ctr"/>
+          <a:lstStyle/>
+          <a:p>
+            <a:r>
+              <a:rPr lang="de-DE" dirty="0"/>
+              <a:t> </a:t>
+            </a:r>
+          </a:p>
+        </p:txBody>
+      </p:sp>
+      <p:sp>
+        <p:nvSpPr>
+          <p:cNvPr id="44" name="Rechteck 43">
+            <a:extLst>
+              <a:ext uri="{FF2B5EF4-FFF2-40B4-BE49-F238E27FC236}">
+                <a16:creationId xmlns:a16="http://schemas.microsoft.com/office/drawing/2014/main" id="{593433F5-862C-4744-AB66-C91C86C0294B}"/>
+              </a:ext>
+            </a:extLst>
+          </p:cNvPr>
+          <p:cNvSpPr/>
+          <p:nvPr/>
+        </p:nvSpPr>
+        <p:spPr>
+          <a:xfrm>
+            <a:off x="3013165" y="4711338"/>
+            <a:ext cx="2927763" cy="1149532"/>
+          </a:xfrm>
+          <a:prstGeom prst="rect">
+            <a:avLst/>
+          </a:prstGeom>
+        </p:spPr>
+        <p:style>
+          <a:lnRef idx="2">
+            <a:schemeClr val="accent3">
+              <a:shade val="50000"/>
+            </a:schemeClr>
+          </a:lnRef>
+          <a:fillRef idx="1">
+            <a:schemeClr val="accent3"/>
+          </a:fillRef>
+          <a:effectRef idx="0">
+            <a:schemeClr val="accent3"/>
+          </a:effectRef>
+          <a:fontRef idx="minor">
+            <a:schemeClr val="lt1"/>
+          </a:fontRef>
+        </p:style>
+        <p:txBody>
+          <a:bodyPr rtlCol="0" anchor="ctr"/>
+          <a:lstStyle/>
+          <a:p>
+            <a:r>
+              <a:rPr lang="de-DE" dirty="0"/>
+              <a:t> </a:t>
+            </a:r>
+          </a:p>
+        </p:txBody>
+      </p:sp>
+      <p:sp>
+        <p:nvSpPr>
+          <p:cNvPr id="45" name="Rechteck 44">
+            <a:extLst>
+              <a:ext uri="{FF2B5EF4-FFF2-40B4-BE49-F238E27FC236}">
+                <a16:creationId xmlns:a16="http://schemas.microsoft.com/office/drawing/2014/main" id="{D4063FA3-286B-42FF-ACDC-17BF3AD377D4}"/>
+              </a:ext>
+            </a:extLst>
+          </p:cNvPr>
+          <p:cNvSpPr/>
+          <p:nvPr/>
+        </p:nvSpPr>
+        <p:spPr>
+          <a:xfrm>
+            <a:off x="3633152" y="4789716"/>
+            <a:ext cx="2029095" cy="984068"/>
+          </a:xfrm>
+          <a:prstGeom prst="rect">
+            <a:avLst/>
+          </a:prstGeom>
+        </p:spPr>
+        <p:style>
+          <a:lnRef idx="2">
+            <a:schemeClr val="accent4">
+              <a:shade val="50000"/>
+            </a:schemeClr>
+          </a:lnRef>
+          <a:fillRef idx="1">
+            <a:schemeClr val="accent4"/>
+          </a:fillRef>
+          <a:effectRef idx="0">
+            <a:schemeClr val="accent4"/>
+          </a:effectRef>
+          <a:fontRef idx="minor">
+            <a:schemeClr val="lt1"/>
+          </a:fontRef>
+        </p:style>
+        <p:txBody>
+          <a:bodyPr rtlCol="0" anchor="ctr"/>
+          <a:lstStyle/>
+          <a:p>
+            <a:r>
+              <a:rPr lang="de-DE" dirty="0"/>
+              <a:t> </a:t>
+            </a:r>
+          </a:p>
+        </p:txBody>
+      </p:sp>
+      <p:sp>
+        <p:nvSpPr>
+          <p:cNvPr id="46" name="Rechteck 45">
+            <a:extLst>
+              <a:ext uri="{FF2B5EF4-FFF2-40B4-BE49-F238E27FC236}">
+                <a16:creationId xmlns:a16="http://schemas.microsoft.com/office/drawing/2014/main" id="{781BEF48-62ED-4338-89CB-C07FB93775BF}"/>
+              </a:ext>
+            </a:extLst>
+          </p:cNvPr>
+          <p:cNvSpPr/>
+          <p:nvPr/>
+        </p:nvSpPr>
+        <p:spPr>
+          <a:xfrm>
+            <a:off x="4225336" y="4885508"/>
+            <a:ext cx="1254032" cy="844733"/>
+          </a:xfrm>
+          <a:prstGeom prst="rect">
+            <a:avLst/>
+          </a:prstGeom>
+        </p:spPr>
+        <p:style>
+          <a:lnRef idx="2">
+            <a:schemeClr val="accent5">
+              <a:shade val="50000"/>
+            </a:schemeClr>
+          </a:lnRef>
+          <a:fillRef idx="1">
+            <a:schemeClr val="accent5"/>
+          </a:fillRef>
+          <a:effectRef idx="0">
+            <a:schemeClr val="accent5"/>
+          </a:effectRef>
+          <a:fontRef idx="minor">
+            <a:schemeClr val="lt1"/>
+          </a:fontRef>
+        </p:style>
+        <p:txBody>
+          <a:bodyPr rtlCol="0" anchor="ctr"/>
+          <a:lstStyle/>
+          <a:p>
+            <a:r>
+              <a:rPr lang="de-DE" dirty="0"/>
+              <a:t> </a:t>
+            </a:r>
+          </a:p>
+        </p:txBody>
+      </p:sp>
+      <p:sp>
+        <p:nvSpPr>
+          <p:cNvPr id="47" name="Rechteck 46">
+            <a:extLst>
+              <a:ext uri="{FF2B5EF4-FFF2-40B4-BE49-F238E27FC236}">
+                <a16:creationId xmlns:a16="http://schemas.microsoft.com/office/drawing/2014/main" id="{302C5848-B11A-4965-931B-0A099C5F02C9}"/>
+              </a:ext>
+            </a:extLst>
+          </p:cNvPr>
+          <p:cNvSpPr/>
+          <p:nvPr/>
+        </p:nvSpPr>
+        <p:spPr>
+          <a:xfrm>
+            <a:off x="4852348" y="4963886"/>
+            <a:ext cx="426720" cy="687978"/>
+          </a:xfrm>
+          <a:prstGeom prst="rect">
+            <a:avLst/>
+          </a:prstGeom>
+        </p:spPr>
+        <p:style>
+          <a:lnRef idx="2">
+            <a:schemeClr val="accent6">
+              <a:shade val="50000"/>
+            </a:schemeClr>
+          </a:lnRef>
+          <a:fillRef idx="1">
+            <a:schemeClr val="accent6"/>
+          </a:fillRef>
+          <a:effectRef idx="0">
+            <a:schemeClr val="accent6"/>
+          </a:effectRef>
+          <a:fontRef idx="minor">
+            <a:schemeClr val="lt1"/>
+          </a:fontRef>
+        </p:style>
+        <p:txBody>
+          <a:bodyPr rtlCol="0" anchor="ctr"/>
+          <a:lstStyle/>
+          <a:p>
+            <a:pPr algn="ctr"/>
+            <a:r>
+              <a:rPr lang="de-DE" dirty="0"/>
+              <a:t>0</a:t>
+            </a:r>
+          </a:p>
+        </p:txBody>
+      </p:sp>
+      <p:sp>
+        <p:nvSpPr>
+          <p:cNvPr id="48" name="Textfeld 47">
+            <a:extLst>
+              <a:ext uri="{FF2B5EF4-FFF2-40B4-BE49-F238E27FC236}">
+                <a16:creationId xmlns:a16="http://schemas.microsoft.com/office/drawing/2014/main" id="{5C5CD6D3-2178-463E-AB9A-DE01D3D18D4F}"/>
+              </a:ext>
+            </a:extLst>
+          </p:cNvPr>
+          <p:cNvSpPr txBox="1"/>
+          <p:nvPr/>
+        </p:nvSpPr>
+        <p:spPr>
+          <a:xfrm>
+            <a:off x="1847900" y="5015485"/>
+            <a:ext cx="655818" cy="584775"/>
+          </a:xfrm>
+          <a:prstGeom prst="rect">
+            <a:avLst/>
+          </a:prstGeom>
+          <a:noFill/>
+        </p:spPr>
+        <p:txBody>
+          <a:bodyPr wrap="square" rtlCol="0">
+            <a:spAutoFit/>
+          </a:bodyPr>
+          <a:lstStyle/>
+          <a:p>
+            <a:r>
+              <a:rPr lang="de-DE" sz="3200" dirty="0"/>
+              <a:t>S(</a:t>
+            </a:r>
+          </a:p>
+        </p:txBody>
+      </p:sp>
+      <p:sp>
+        <p:nvSpPr>
+          <p:cNvPr id="49" name="Textfeld 48">
+            <a:extLst>
+              <a:ext uri="{FF2B5EF4-FFF2-40B4-BE49-F238E27FC236}">
+                <a16:creationId xmlns:a16="http://schemas.microsoft.com/office/drawing/2014/main" id="{11E38DAF-3FFB-4867-B8E3-B008FE381CD0}"/>
+              </a:ext>
+            </a:extLst>
+          </p:cNvPr>
+          <p:cNvSpPr txBox="1"/>
+          <p:nvPr/>
+        </p:nvSpPr>
+        <p:spPr>
+          <a:xfrm>
+            <a:off x="2425339" y="5015485"/>
+            <a:ext cx="655818" cy="584775"/>
+          </a:xfrm>
+          <a:prstGeom prst="rect">
+            <a:avLst/>
+          </a:prstGeom>
+          <a:noFill/>
+        </p:spPr>
+        <p:txBody>
+          <a:bodyPr wrap="square" rtlCol="0">
+            <a:spAutoFit/>
+          </a:bodyPr>
+          <a:lstStyle/>
+          <a:p>
+            <a:r>
+              <a:rPr lang="de-DE" sz="3200" dirty="0"/>
+              <a:t>S(</a:t>
+            </a:r>
+          </a:p>
+        </p:txBody>
+      </p:sp>
+      <p:sp>
+        <p:nvSpPr>
+          <p:cNvPr id="50" name="Textfeld 49">
+            <a:extLst>
+              <a:ext uri="{FF2B5EF4-FFF2-40B4-BE49-F238E27FC236}">
+                <a16:creationId xmlns:a16="http://schemas.microsoft.com/office/drawing/2014/main" id="{891B9168-D216-4E4C-8AF9-B4EE1218F18B}"/>
+              </a:ext>
+            </a:extLst>
+          </p:cNvPr>
+          <p:cNvSpPr txBox="1"/>
+          <p:nvPr/>
+        </p:nvSpPr>
+        <p:spPr>
+          <a:xfrm>
+            <a:off x="3129134" y="5015484"/>
+            <a:ext cx="655818" cy="584775"/>
+          </a:xfrm>
+          <a:prstGeom prst="rect">
+            <a:avLst/>
+          </a:prstGeom>
+          <a:noFill/>
+        </p:spPr>
+        <p:txBody>
+          <a:bodyPr wrap="square" rtlCol="0">
+            <a:spAutoFit/>
+          </a:bodyPr>
+          <a:lstStyle/>
+          <a:p>
+            <a:r>
+              <a:rPr lang="de-DE" sz="3200" dirty="0"/>
+              <a:t>S(</a:t>
+            </a:r>
+          </a:p>
+        </p:txBody>
+      </p:sp>
+      <p:sp>
+        <p:nvSpPr>
+          <p:cNvPr id="51" name="Textfeld 50">
+            <a:extLst>
+              <a:ext uri="{FF2B5EF4-FFF2-40B4-BE49-F238E27FC236}">
+                <a16:creationId xmlns:a16="http://schemas.microsoft.com/office/drawing/2014/main" id="{F7AED5D3-A70E-4AF5-ACED-C5976BC45097}"/>
+              </a:ext>
+            </a:extLst>
+          </p:cNvPr>
+          <p:cNvSpPr txBox="1"/>
+          <p:nvPr/>
+        </p:nvSpPr>
+        <p:spPr>
+          <a:xfrm>
+            <a:off x="3725745" y="5015484"/>
+            <a:ext cx="655818" cy="584775"/>
+          </a:xfrm>
+          <a:prstGeom prst="rect">
+            <a:avLst/>
+          </a:prstGeom>
+          <a:noFill/>
+        </p:spPr>
+        <p:txBody>
+          <a:bodyPr wrap="square" rtlCol="0">
+            <a:spAutoFit/>
+          </a:bodyPr>
+          <a:lstStyle/>
+          <a:p>
+            <a:r>
+              <a:rPr lang="de-DE" sz="3200" dirty="0"/>
+              <a:t>S(</a:t>
+            </a:r>
+          </a:p>
+        </p:txBody>
+      </p:sp>
+      <p:sp>
+        <p:nvSpPr>
+          <p:cNvPr id="52" name="Textfeld 51">
+            <a:extLst>
+              <a:ext uri="{FF2B5EF4-FFF2-40B4-BE49-F238E27FC236}">
+                <a16:creationId xmlns:a16="http://schemas.microsoft.com/office/drawing/2014/main" id="{EFB55879-A087-4171-8185-870DAC0F5ED1}"/>
+              </a:ext>
+            </a:extLst>
+          </p:cNvPr>
+          <p:cNvSpPr txBox="1"/>
+          <p:nvPr/>
+        </p:nvSpPr>
+        <p:spPr>
+          <a:xfrm>
+            <a:off x="4321739" y="5015484"/>
+            <a:ext cx="655818" cy="584775"/>
+          </a:xfrm>
+          <a:prstGeom prst="rect">
+            <a:avLst/>
+          </a:prstGeom>
+          <a:noFill/>
+        </p:spPr>
+        <p:txBody>
+          <a:bodyPr wrap="square" rtlCol="0">
+            <a:spAutoFit/>
+          </a:bodyPr>
+          <a:lstStyle/>
+          <a:p>
+            <a:r>
+              <a:rPr lang="de-DE" sz="3200" dirty="0"/>
+              <a:t>S(</a:t>
+            </a:r>
+          </a:p>
+        </p:txBody>
+      </p:sp>
+      <p:sp>
+        <p:nvSpPr>
+          <p:cNvPr id="53" name="Textfeld 52">
+            <a:extLst>
+              <a:ext uri="{FF2B5EF4-FFF2-40B4-BE49-F238E27FC236}">
+                <a16:creationId xmlns:a16="http://schemas.microsoft.com/office/drawing/2014/main" id="{666CB58B-80CB-481B-B81F-08F68A3CBEDA}"/>
+              </a:ext>
+            </a:extLst>
+          </p:cNvPr>
+          <p:cNvSpPr txBox="1"/>
+          <p:nvPr/>
+        </p:nvSpPr>
+        <p:spPr>
+          <a:xfrm>
+            <a:off x="5227157" y="5005479"/>
+            <a:ext cx="327909" cy="584775"/>
+          </a:xfrm>
+          <a:prstGeom prst="rect">
+            <a:avLst/>
+          </a:prstGeom>
+          <a:noFill/>
+        </p:spPr>
+        <p:txBody>
+          <a:bodyPr wrap="square" rtlCol="0">
+            <a:spAutoFit/>
+          </a:bodyPr>
+          <a:lstStyle/>
+          <a:p>
+            <a:r>
+              <a:rPr lang="de-DE" sz="3200" dirty="0"/>
+              <a:t>)</a:t>
+            </a:r>
+          </a:p>
+        </p:txBody>
+      </p:sp>
+      <p:sp>
+        <p:nvSpPr>
+          <p:cNvPr id="54" name="Textfeld 53">
+            <a:extLst>
+              <a:ext uri="{FF2B5EF4-FFF2-40B4-BE49-F238E27FC236}">
+                <a16:creationId xmlns:a16="http://schemas.microsoft.com/office/drawing/2014/main" id="{52D09F5B-B34D-4FAC-803B-16C78113D563}"/>
+              </a:ext>
+            </a:extLst>
+          </p:cNvPr>
+          <p:cNvSpPr txBox="1"/>
+          <p:nvPr/>
+        </p:nvSpPr>
+        <p:spPr>
+          <a:xfrm>
+            <a:off x="5431652" y="5005478"/>
+            <a:ext cx="327909" cy="584775"/>
+          </a:xfrm>
+          <a:prstGeom prst="rect">
+            <a:avLst/>
+          </a:prstGeom>
+          <a:noFill/>
+        </p:spPr>
+        <p:txBody>
+          <a:bodyPr wrap="square" rtlCol="0">
+            <a:spAutoFit/>
+          </a:bodyPr>
+          <a:lstStyle/>
+          <a:p>
+            <a:r>
+              <a:rPr lang="de-DE" sz="3200" dirty="0"/>
+              <a:t>)</a:t>
+            </a:r>
+          </a:p>
+        </p:txBody>
+      </p:sp>
+      <p:sp>
+        <p:nvSpPr>
+          <p:cNvPr id="55" name="Textfeld 54">
+            <a:extLst>
+              <a:ext uri="{FF2B5EF4-FFF2-40B4-BE49-F238E27FC236}">
+                <a16:creationId xmlns:a16="http://schemas.microsoft.com/office/drawing/2014/main" id="{BEB43CBC-67CD-4F72-ACB2-0E2073047D41}"/>
+              </a:ext>
+            </a:extLst>
+          </p:cNvPr>
+          <p:cNvSpPr txBox="1"/>
+          <p:nvPr/>
+        </p:nvSpPr>
+        <p:spPr>
+          <a:xfrm>
+            <a:off x="5648593" y="5005477"/>
+            <a:ext cx="327909" cy="584775"/>
+          </a:xfrm>
+          <a:prstGeom prst="rect">
+            <a:avLst/>
+          </a:prstGeom>
+          <a:noFill/>
+        </p:spPr>
+        <p:txBody>
+          <a:bodyPr wrap="square" rtlCol="0">
+            <a:spAutoFit/>
+          </a:bodyPr>
+          <a:lstStyle/>
+          <a:p>
+            <a:r>
+              <a:rPr lang="de-DE" sz="3200" dirty="0"/>
+              <a:t>)</a:t>
+            </a:r>
+          </a:p>
+        </p:txBody>
+      </p:sp>
+      <p:sp>
+        <p:nvSpPr>
+          <p:cNvPr id="56" name="Textfeld 55">
+            <a:extLst>
+              <a:ext uri="{FF2B5EF4-FFF2-40B4-BE49-F238E27FC236}">
+                <a16:creationId xmlns:a16="http://schemas.microsoft.com/office/drawing/2014/main" id="{9A16F8C4-B7B7-42FF-85C7-17A58F4E5F47}"/>
+              </a:ext>
+            </a:extLst>
+          </p:cNvPr>
+          <p:cNvSpPr txBox="1"/>
+          <p:nvPr/>
+        </p:nvSpPr>
+        <p:spPr>
+          <a:xfrm>
+            <a:off x="5937654" y="5005477"/>
+            <a:ext cx="327909" cy="584775"/>
+          </a:xfrm>
+          <a:prstGeom prst="rect">
+            <a:avLst/>
+          </a:prstGeom>
+          <a:noFill/>
+        </p:spPr>
+        <p:txBody>
+          <a:bodyPr wrap="square" rtlCol="0">
+            <a:spAutoFit/>
+          </a:bodyPr>
+          <a:lstStyle/>
+          <a:p>
+            <a:r>
+              <a:rPr lang="de-DE" sz="3200" dirty="0"/>
+              <a:t>)</a:t>
+            </a:r>
+          </a:p>
+        </p:txBody>
+      </p:sp>
+      <p:sp>
+        <p:nvSpPr>
+          <p:cNvPr id="57" name="Textfeld 56">
+            <a:extLst>
+              <a:ext uri="{FF2B5EF4-FFF2-40B4-BE49-F238E27FC236}">
+                <a16:creationId xmlns:a16="http://schemas.microsoft.com/office/drawing/2014/main" id="{65E57FC9-0573-4278-8B55-4CD641574F05}"/>
+              </a:ext>
+            </a:extLst>
+          </p:cNvPr>
+          <p:cNvSpPr txBox="1"/>
+          <p:nvPr/>
+        </p:nvSpPr>
+        <p:spPr>
+          <a:xfrm>
+            <a:off x="6319668" y="5015485"/>
+            <a:ext cx="327909" cy="584775"/>
+          </a:xfrm>
+          <a:prstGeom prst="rect">
+            <a:avLst/>
+          </a:prstGeom>
+          <a:noFill/>
+        </p:spPr>
+        <p:txBody>
+          <a:bodyPr wrap="square" rtlCol="0">
+            <a:spAutoFit/>
+          </a:bodyPr>
+          <a:lstStyle/>
+          <a:p>
+            <a:r>
+              <a:rPr lang="de-DE" sz="3200" dirty="0"/>
+              <a:t>)</a:t>
+            </a:r>
+          </a:p>
+        </p:txBody>
+      </p:sp>
+      <p:sp>
+        <p:nvSpPr>
+          <p:cNvPr id="58" name="Inhaltsplatzhalter 2">
+            <a:extLst>
+              <a:ext uri="{FF2B5EF4-FFF2-40B4-BE49-F238E27FC236}">
+                <a16:creationId xmlns:a16="http://schemas.microsoft.com/office/drawing/2014/main" id="{516CB56A-116F-46B8-A1B2-797AF651E680}"/>
               </a:ext>
             </a:extLst>
           </p:cNvPr>
@@ -7759,32 +7872,56 @@
             <p:ph idx="1"/>
           </p:nvPr>
         </p:nvSpPr>
-        <p:spPr/>
+        <p:spPr>
+          <a:xfrm>
+            <a:off x="1103312" y="2052918"/>
+            <a:ext cx="8946541" cy="4195481"/>
+          </a:xfrm>
+        </p:spPr>
         <p:txBody>
           <a:bodyPr/>
           <a:lstStyle/>
           <a:p>
             <a:r>
               <a:rPr lang="de-DE" dirty="0"/>
-              <a:t>0 != Integer</a:t>
-            </a:r>
-          </a:p>
-          <a:p>
-            <a:r>
-              <a:rPr lang="de-DE" dirty="0"/>
-              <a:t>0 == S() mit Konstruktor ohne Parameter</a:t>
-            </a:r>
-          </a:p>
-          <a:p>
-            <a:pPr lvl="1"/>
-            <a:r>
-              <a:rPr lang="de-DE" dirty="0" err="1"/>
-              <a:t>next</a:t>
-            </a:r>
-            <a:r>
-              <a:rPr lang="de-DE" dirty="0"/>
-              <a:t> = null</a:t>
-            </a:r>
+              <a:t>0 == 0 (Nummer)</a:t>
+            </a:r>
+          </a:p>
+        </p:txBody>
+      </p:sp>
+      <p:sp>
+        <p:nvSpPr>
+          <p:cNvPr id="59" name="Textfeld 58">
+            <a:extLst>
+              <a:ext uri="{FF2B5EF4-FFF2-40B4-BE49-F238E27FC236}">
+                <a16:creationId xmlns:a16="http://schemas.microsoft.com/office/drawing/2014/main" id="{C88D16B6-9C9C-4BF2-9CF3-9F0CB4CB4935}"/>
+              </a:ext>
+            </a:extLst>
+          </p:cNvPr>
+          <p:cNvSpPr txBox="1"/>
+          <p:nvPr/>
+        </p:nvSpPr>
+        <p:spPr>
+          <a:xfrm>
+            <a:off x="10537370" y="-78384"/>
+            <a:ext cx="461555" cy="707886"/>
+          </a:xfrm>
+          <a:prstGeom prst="rect">
+            <a:avLst/>
+          </a:prstGeom>
+          <a:noFill/>
+        </p:spPr>
+        <p:txBody>
+          <a:bodyPr wrap="square" rtlCol="0">
+            <a:spAutoFit/>
+          </a:bodyPr>
+          <a:lstStyle/>
+          <a:p>
+            <a:fld id="{04F6BF41-6888-4535-91AA-048B1E049C9D}" type="slidenum">
+              <a:rPr lang="de-DE" sz="4000" smtClean="0"/>
+              <a:t>12</a:t>
+            </a:fld>
+            <a:endParaRPr lang="de-DE" sz="4000" dirty="0"/>
           </a:p>
         </p:txBody>
       </p:sp>
@@ -7793,7 +7930,7 @@
           <p:cNvPr id="4" name="Grafik 3">
             <a:extLst>
               <a:ext uri="{FF2B5EF4-FFF2-40B4-BE49-F238E27FC236}">
-                <a16:creationId xmlns:a16="http://schemas.microsoft.com/office/drawing/2014/main" id="{1ED5B380-73DC-4C8F-8BA9-0C29BBE81D5D}"/>
+                <a16:creationId xmlns:a16="http://schemas.microsoft.com/office/drawing/2014/main" id="{68BE76B7-0E84-4898-B937-ED314CA11337}"/>
               </a:ext>
             </a:extLst>
           </p:cNvPr>
@@ -7802,15 +7939,16 @@
           </p:cNvPicPr>
           <p:nvPr/>
         </p:nvPicPr>
-        <p:blipFill rotWithShape="1">
+        <p:blipFill>
           <a:blip r:embed="rId2"/>
-          <a:srcRect r="39368" b="61360"/>
-          <a:stretch/>
+          <a:stretch>
+            <a:fillRect/>
+          </a:stretch>
         </p:blipFill>
         <p:spPr>
           <a:xfrm>
-            <a:off x="1103312" y="5644006"/>
-            <a:ext cx="1962506" cy="761276"/>
+            <a:off x="6483622" y="2268911"/>
+            <a:ext cx="1028700" cy="581025"/>
           </a:xfrm>
           <a:prstGeom prst="rect">
             <a:avLst/>
@@ -7822,7 +7960,7 @@
           <p:cNvPr id="5" name="Textfeld 4">
             <a:extLst>
               <a:ext uri="{FF2B5EF4-FFF2-40B4-BE49-F238E27FC236}">
-                <a16:creationId xmlns:a16="http://schemas.microsoft.com/office/drawing/2014/main" id="{F7C08830-2E72-4A93-BE56-DD1D2F880007}"/>
+                <a16:creationId xmlns:a16="http://schemas.microsoft.com/office/drawing/2014/main" id="{C7499999-45C0-451F-9F86-02643C4E9651}"/>
               </a:ext>
             </a:extLst>
           </p:cNvPr>
@@ -7831,8 +7969,8 @@
         </p:nvSpPr>
         <p:spPr>
           <a:xfrm>
-            <a:off x="10537370" y="-78384"/>
-            <a:ext cx="461555" cy="707886"/>
+            <a:off x="8077200" y="2109410"/>
+            <a:ext cx="3289300" cy="369332"/>
           </a:xfrm>
           <a:prstGeom prst="rect">
             <a:avLst/>
@@ -7845,24 +7983,344 @@
           </a:bodyPr>
           <a:lstStyle/>
           <a:p>
-            <a:fld id="{04F6BF41-6888-4535-91AA-048B1E049C9D}" type="slidenum">
-              <a:rPr lang="de-DE" sz="4000" smtClean="0"/>
-              <a:t>12</a:t>
-            </a:fld>
-            <a:endParaRPr lang="de-DE" sz="4000" dirty="0"/>
+            <a:r>
+              <a:rPr lang="de-DE" dirty="0"/>
+              <a:t>S(S(S(0)))</a:t>
+            </a:r>
+          </a:p>
+        </p:txBody>
+      </p:sp>
+      <p:sp>
+        <p:nvSpPr>
+          <p:cNvPr id="24" name="Textfeld 23">
+            <a:extLst>
+              <a:ext uri="{FF2B5EF4-FFF2-40B4-BE49-F238E27FC236}">
+                <a16:creationId xmlns:a16="http://schemas.microsoft.com/office/drawing/2014/main" id="{C656B448-D8DD-492E-A086-11B876E98E17}"/>
+              </a:ext>
+            </a:extLst>
+          </p:cNvPr>
+          <p:cNvSpPr txBox="1"/>
+          <p:nvPr/>
+        </p:nvSpPr>
+        <p:spPr>
+          <a:xfrm>
+            <a:off x="8077200" y="2559423"/>
+            <a:ext cx="3289300" cy="369332"/>
+          </a:xfrm>
+          <a:prstGeom prst="rect">
+            <a:avLst/>
+          </a:prstGeom>
+          <a:noFill/>
+        </p:spPr>
+        <p:txBody>
+          <a:bodyPr wrap="square" rtlCol="0">
+            <a:spAutoFit/>
+          </a:bodyPr>
+          <a:lstStyle/>
+          <a:p>
+            <a:r>
+              <a:rPr lang="de-DE" dirty="0"/>
+              <a:t>S(S(0))</a:t>
+            </a:r>
+          </a:p>
+        </p:txBody>
+      </p:sp>
+      <p:sp>
+        <p:nvSpPr>
+          <p:cNvPr id="25" name="Textfeld 24">
+            <a:extLst>
+              <a:ext uri="{FF2B5EF4-FFF2-40B4-BE49-F238E27FC236}">
+                <a16:creationId xmlns:a16="http://schemas.microsoft.com/office/drawing/2014/main" id="{607C95A8-CE7E-4151-B21A-E75D7C5BD5CD}"/>
+              </a:ext>
+            </a:extLst>
+          </p:cNvPr>
+          <p:cNvSpPr txBox="1"/>
+          <p:nvPr/>
+        </p:nvSpPr>
+        <p:spPr>
+          <a:xfrm>
+            <a:off x="8077200" y="3009436"/>
+            <a:ext cx="3289300" cy="369332"/>
+          </a:xfrm>
+          <a:prstGeom prst="rect">
+            <a:avLst/>
+          </a:prstGeom>
+          <a:noFill/>
+        </p:spPr>
+        <p:txBody>
+          <a:bodyPr wrap="square" rtlCol="0">
+            <a:spAutoFit/>
+          </a:bodyPr>
+          <a:lstStyle/>
+          <a:p>
+            <a:r>
+              <a:rPr lang="de-DE" dirty="0"/>
+              <a:t>S(0)</a:t>
+            </a:r>
+          </a:p>
+        </p:txBody>
+      </p:sp>
+      <p:sp>
+        <p:nvSpPr>
+          <p:cNvPr id="26" name="Textfeld 25">
+            <a:extLst>
+              <a:ext uri="{FF2B5EF4-FFF2-40B4-BE49-F238E27FC236}">
+                <a16:creationId xmlns:a16="http://schemas.microsoft.com/office/drawing/2014/main" id="{6460C1DD-0014-42B3-BFF5-81A6A696EB76}"/>
+              </a:ext>
+            </a:extLst>
+          </p:cNvPr>
+          <p:cNvSpPr txBox="1"/>
+          <p:nvPr/>
+        </p:nvSpPr>
+        <p:spPr>
+          <a:xfrm>
+            <a:off x="8077200" y="3459449"/>
+            <a:ext cx="3289300" cy="369332"/>
+          </a:xfrm>
+          <a:prstGeom prst="rect">
+            <a:avLst/>
+          </a:prstGeom>
+          <a:noFill/>
+        </p:spPr>
+        <p:txBody>
+          <a:bodyPr wrap="square" rtlCol="0">
+            <a:spAutoFit/>
+          </a:bodyPr>
+          <a:lstStyle/>
+          <a:p>
+            <a:r>
+              <a:rPr lang="de-DE" dirty="0"/>
+              <a:t>0</a:t>
+            </a:r>
           </a:p>
         </p:txBody>
       </p:sp>
     </p:spTree>
     <p:extLst>
       <p:ext uri="{BB962C8B-B14F-4D97-AF65-F5344CB8AC3E}">
-        <p14:creationId xmlns:p14="http://schemas.microsoft.com/office/powerpoint/2010/main" val="812982058"/>
+        <p14:creationId xmlns:p14="http://schemas.microsoft.com/office/powerpoint/2010/main" val="995705311"/>
       </p:ext>
     </p:extLst>
   </p:cSld>
   <p:clrMapOvr>
     <a:masterClrMapping/>
   </p:clrMapOvr>
+  <p:timing>
+    <p:tnLst>
+      <p:par>
+        <p:cTn id="1" dur="indefinite" restart="never" nodeType="tmRoot">
+          <p:childTnLst>
+            <p:seq concurrent="1" nextAc="seek">
+              <p:cTn id="2" dur="indefinite" nodeType="mainSeq">
+                <p:childTnLst>
+                  <p:par>
+                    <p:cTn id="3" fill="hold">
+                      <p:stCondLst>
+                        <p:cond delay="indefinite"/>
+                      </p:stCondLst>
+                      <p:childTnLst>
+                        <p:par>
+                          <p:cTn id="4" fill="hold">
+                            <p:stCondLst>
+                              <p:cond delay="0"/>
+                            </p:stCondLst>
+                            <p:childTnLst>
+                              <p:par>
+                                <p:cTn id="5" presetID="1" presetClass="entr" presetSubtype="0" fill="hold" grpId="0" nodeType="clickEffect">
+                                  <p:stCondLst>
+                                    <p:cond delay="0"/>
+                                  </p:stCondLst>
+                                  <p:childTnLst>
+                                    <p:set>
+                                      <p:cBhvr>
+                                        <p:cTn id="6" dur="1" fill="hold">
+                                          <p:stCondLst>
+                                            <p:cond delay="0"/>
+                                          </p:stCondLst>
+                                        </p:cTn>
+                                        <p:tgtEl>
+                                          <p:spTgt spid="5"/>
+                                        </p:tgtEl>
+                                        <p:attrNameLst>
+                                          <p:attrName>style.visibility</p:attrName>
+                                        </p:attrNameLst>
+                                      </p:cBhvr>
+                                      <p:to>
+                                        <p:strVal val="visible"/>
+                                      </p:to>
+                                    </p:set>
+                                  </p:childTnLst>
+                                </p:cTn>
+                              </p:par>
+                            </p:childTnLst>
+                          </p:cTn>
+                        </p:par>
+                      </p:childTnLst>
+                    </p:cTn>
+                  </p:par>
+                  <p:par>
+                    <p:cTn id="7" fill="hold">
+                      <p:stCondLst>
+                        <p:cond delay="indefinite"/>
+                      </p:stCondLst>
+                      <p:childTnLst>
+                        <p:par>
+                          <p:cTn id="8" fill="hold">
+                            <p:stCondLst>
+                              <p:cond delay="0"/>
+                            </p:stCondLst>
+                            <p:childTnLst>
+                              <p:par>
+                                <p:cTn id="9" presetID="1" presetClass="entr" presetSubtype="0" fill="hold" grpId="0" nodeType="clickEffect">
+                                  <p:stCondLst>
+                                    <p:cond delay="0"/>
+                                  </p:stCondLst>
+                                  <p:childTnLst>
+                                    <p:set>
+                                      <p:cBhvr>
+                                        <p:cTn id="10" dur="1" fill="hold">
+                                          <p:stCondLst>
+                                            <p:cond delay="0"/>
+                                          </p:stCondLst>
+                                        </p:cTn>
+                                        <p:tgtEl>
+                                          <p:spTgt spid="24"/>
+                                        </p:tgtEl>
+                                        <p:attrNameLst>
+                                          <p:attrName>style.visibility</p:attrName>
+                                        </p:attrNameLst>
+                                      </p:cBhvr>
+                                      <p:to>
+                                        <p:strVal val="visible"/>
+                                      </p:to>
+                                    </p:set>
+                                  </p:childTnLst>
+                                </p:cTn>
+                              </p:par>
+                            </p:childTnLst>
+                          </p:cTn>
+                        </p:par>
+                      </p:childTnLst>
+                    </p:cTn>
+                  </p:par>
+                  <p:par>
+                    <p:cTn id="11" fill="hold">
+                      <p:stCondLst>
+                        <p:cond delay="indefinite"/>
+                      </p:stCondLst>
+                      <p:childTnLst>
+                        <p:par>
+                          <p:cTn id="12" fill="hold">
+                            <p:stCondLst>
+                              <p:cond delay="0"/>
+                            </p:stCondLst>
+                            <p:childTnLst>
+                              <p:par>
+                                <p:cTn id="13" presetID="1" presetClass="entr" presetSubtype="0" fill="hold" grpId="0" nodeType="clickEffect">
+                                  <p:stCondLst>
+                                    <p:cond delay="0"/>
+                                  </p:stCondLst>
+                                  <p:childTnLst>
+                                    <p:set>
+                                      <p:cBhvr>
+                                        <p:cTn id="14" dur="1" fill="hold">
+                                          <p:stCondLst>
+                                            <p:cond delay="0"/>
+                                          </p:stCondLst>
+                                        </p:cTn>
+                                        <p:tgtEl>
+                                          <p:spTgt spid="25"/>
+                                        </p:tgtEl>
+                                        <p:attrNameLst>
+                                          <p:attrName>style.visibility</p:attrName>
+                                        </p:attrNameLst>
+                                      </p:cBhvr>
+                                      <p:to>
+                                        <p:strVal val="visible"/>
+                                      </p:to>
+                                    </p:set>
+                                  </p:childTnLst>
+                                </p:cTn>
+                              </p:par>
+                            </p:childTnLst>
+                          </p:cTn>
+                        </p:par>
+                      </p:childTnLst>
+                    </p:cTn>
+                  </p:par>
+                  <p:par>
+                    <p:cTn id="15" fill="hold">
+                      <p:stCondLst>
+                        <p:cond delay="indefinite"/>
+                      </p:stCondLst>
+                      <p:childTnLst>
+                        <p:par>
+                          <p:cTn id="16" fill="hold">
+                            <p:stCondLst>
+                              <p:cond delay="0"/>
+                            </p:stCondLst>
+                            <p:childTnLst>
+                              <p:par>
+                                <p:cTn id="17" presetID="1" presetClass="entr" presetSubtype="0" fill="hold" grpId="0" nodeType="clickEffect">
+                                  <p:stCondLst>
+                                    <p:cond delay="0"/>
+                                  </p:stCondLst>
+                                  <p:childTnLst>
+                                    <p:set>
+                                      <p:cBhvr>
+                                        <p:cTn id="18" dur="1" fill="hold">
+                                          <p:stCondLst>
+                                            <p:cond delay="0"/>
+                                          </p:stCondLst>
+                                        </p:cTn>
+                                        <p:tgtEl>
+                                          <p:spTgt spid="26"/>
+                                        </p:tgtEl>
+                                        <p:attrNameLst>
+                                          <p:attrName>style.visibility</p:attrName>
+                                        </p:attrNameLst>
+                                      </p:cBhvr>
+                                      <p:to>
+                                        <p:strVal val="visible"/>
+                                      </p:to>
+                                    </p:set>
+                                  </p:childTnLst>
+                                </p:cTn>
+                              </p:par>
+                            </p:childTnLst>
+                          </p:cTn>
+                        </p:par>
+                      </p:childTnLst>
+                    </p:cTn>
+                  </p:par>
+                </p:childTnLst>
+              </p:cTn>
+              <p:prevCondLst>
+                <p:cond evt="onPrev" delay="0">
+                  <p:tgtEl>
+                    <p:sldTgt/>
+                  </p:tgtEl>
+                </p:cond>
+              </p:prevCondLst>
+              <p:nextCondLst>
+                <p:cond evt="onNext" delay="0">
+                  <p:tgtEl>
+                    <p:sldTgt/>
+                  </p:tgtEl>
+                </p:cond>
+              </p:nextCondLst>
+            </p:seq>
+          </p:childTnLst>
+        </p:cTn>
+      </p:par>
+    </p:tnLst>
+    <p:bldLst>
+      <p:bldP spid="5" grpId="0"/>
+      <p:bldP spid="24" grpId="0"/>
+      <p:bldP spid="25" grpId="0"/>
+      <p:bldP spid="26" grpId="0"/>
+    </p:bldLst>
+  </p:timing>
 </p:sld>
 </file>
 
@@ -8400,6 +8858,41 @@
           </a:p>
         </p:txBody>
       </p:sp>
+      <p:sp>
+        <p:nvSpPr>
+          <p:cNvPr id="12" name="Textfeld 11">
+            <a:extLst>
+              <a:ext uri="{FF2B5EF4-FFF2-40B4-BE49-F238E27FC236}">
+                <a16:creationId xmlns:a16="http://schemas.microsoft.com/office/drawing/2014/main" id="{E3F6AB0C-4C11-46CA-9895-E9BC5598D66F}"/>
+              </a:ext>
+            </a:extLst>
+          </p:cNvPr>
+          <p:cNvSpPr txBox="1"/>
+          <p:nvPr/>
+        </p:nvSpPr>
+        <p:spPr>
+          <a:xfrm>
+            <a:off x="1703294" y="6248399"/>
+            <a:ext cx="7954512" cy="369332"/>
+          </a:xfrm>
+          <a:prstGeom prst="rect">
+            <a:avLst/>
+          </a:prstGeom>
+          <a:noFill/>
+        </p:spPr>
+        <p:txBody>
+          <a:bodyPr wrap="square" rtlCol="0">
+            <a:spAutoFit/>
+          </a:bodyPr>
+          <a:lstStyle/>
+          <a:p>
+            <a:r>
+              <a:rPr lang="de-DE" dirty="0"/>
+              <a:t>[5, 4, 3, 2, 1, 0] == [5, [4, [3, [2, [1, [0, [ ] ] ] ] ] ] ]</a:t>
+            </a:r>
+          </a:p>
+        </p:txBody>
+      </p:sp>
     </p:spTree>
     <p:extLst>
       <p:ext uri="{BB962C8B-B14F-4D97-AF65-F5344CB8AC3E}">
@@ -8410,14 +8903,6 @@
   <p:clrMapOvr>
     <a:masterClrMapping/>
   </p:clrMapOvr>
-  <mc:AlternateContent xmlns:mc="http://schemas.openxmlformats.org/markup-compatibility/2006">
-    <mc:Choice xmlns:p14="http://schemas.microsoft.com/office/powerpoint/2010/main" Requires="p14">
-      <p:transition spd="slow" p14:dur="2000" advTm="62874"/>
-    </mc:Choice>
-    <mc:Fallback>
-      <p:transition spd="slow" advTm="62874"/>
-    </mc:Fallback>
-  </mc:AlternateContent>
 </p:sld>
 </file>
 
@@ -8443,7 +8928,7 @@
           <p:cNvPr id="2" name="Titel 1">
             <a:extLst>
               <a:ext uri="{FF2B5EF4-FFF2-40B4-BE49-F238E27FC236}">
-                <a16:creationId xmlns:a16="http://schemas.microsoft.com/office/drawing/2014/main" id="{9F7988CB-398A-4B7C-9FE7-BB0CBB2EF8DD}"/>
+                <a16:creationId xmlns:a16="http://schemas.microsoft.com/office/drawing/2014/main" id="{BEFD8048-1597-460C-9252-8CDC0B74AB3E}"/>
               </a:ext>
             </a:extLst>
           </p:cNvPr>
@@ -8461,7 +8946,7 @@
           <a:p>
             <a:r>
               <a:rPr lang="de-DE" dirty="0"/>
-              <a:t>Listen in Prolog</a:t>
+              <a:t>Listen in Java</a:t>
             </a:r>
           </a:p>
         </p:txBody>
@@ -8471,7 +8956,7 @@
           <p:cNvPr id="3" name="Inhaltsplatzhalter 2">
             <a:extLst>
               <a:ext uri="{FF2B5EF4-FFF2-40B4-BE49-F238E27FC236}">
-                <a16:creationId xmlns:a16="http://schemas.microsoft.com/office/drawing/2014/main" id="{29572AD3-D04C-4617-B80A-B5C9553EC30E}"/>
+                <a16:creationId xmlns:a16="http://schemas.microsoft.com/office/drawing/2014/main" id="{CBFFD15E-166B-4725-A85A-B7BF30D19E8F}"/>
               </a:ext>
             </a:extLst>
           </p:cNvPr>
@@ -8489,17 +8974,79 @@
           <a:p>
             <a:r>
               <a:rPr lang="de-DE" dirty="0"/>
-              <a:t>Listen-Element = Tupel(Wert, Listen-Element)</a:t>
-            </a:r>
-          </a:p>
-        </p:txBody>
-      </p:sp>
-      <p:sp>
-        <p:nvSpPr>
-          <p:cNvPr id="4" name="Rechteck 3">
-            <a:extLst>
-              <a:ext uri="{FF2B5EF4-FFF2-40B4-BE49-F238E27FC236}">
-                <a16:creationId xmlns:a16="http://schemas.microsoft.com/office/drawing/2014/main" id="{FC494BB4-CF98-4C00-82EF-7417C98AC70C}"/>
+              <a:t>Liste = Referenz auf das erste Listen-Element</a:t>
+            </a:r>
+          </a:p>
+          <a:p>
+            <a:r>
+              <a:rPr lang="de-DE" dirty="0"/>
+              <a:t>Objekt mit den globalen Variable: </a:t>
+            </a:r>
+          </a:p>
+          <a:p>
+            <a:pPr lvl="1"/>
+            <a:r>
+              <a:rPr lang="de-DE" dirty="0"/>
+              <a:t>Objekt Wert;</a:t>
+            </a:r>
+          </a:p>
+          <a:p>
+            <a:pPr lvl="1"/>
+            <a:r>
+              <a:rPr lang="de-DE" dirty="0"/>
+              <a:t>Listen-Element Rest;</a:t>
+            </a:r>
+          </a:p>
+          <a:p>
+            <a:pPr marL="0" indent="0">
+              <a:buNone/>
+            </a:pPr>
+            <a:endParaRPr lang="de-DE" dirty="0"/>
+          </a:p>
+        </p:txBody>
+      </p:sp>
+      <p:sp>
+        <p:nvSpPr>
+          <p:cNvPr id="4" name="Textfeld 3">
+            <a:extLst>
+              <a:ext uri="{FF2B5EF4-FFF2-40B4-BE49-F238E27FC236}">
+                <a16:creationId xmlns:a16="http://schemas.microsoft.com/office/drawing/2014/main" id="{9F497993-094A-4695-A632-AF6A2150F441}"/>
+              </a:ext>
+            </a:extLst>
+          </p:cNvPr>
+          <p:cNvSpPr txBox="1"/>
+          <p:nvPr/>
+        </p:nvSpPr>
+        <p:spPr>
+          <a:xfrm>
+            <a:off x="10537370" y="365757"/>
+            <a:ext cx="461555" cy="707886"/>
+          </a:xfrm>
+          <a:prstGeom prst="rect">
+            <a:avLst/>
+          </a:prstGeom>
+          <a:noFill/>
+        </p:spPr>
+        <p:txBody>
+          <a:bodyPr wrap="square" rtlCol="0">
+            <a:spAutoFit/>
+          </a:bodyPr>
+          <a:lstStyle/>
+          <a:p>
+            <a:fld id="{04F6BF41-6888-4535-91AA-048B1E049C9D}" type="slidenum">
+              <a:rPr lang="de-DE" sz="4000" smtClean="0"/>
+              <a:t>4</a:t>
+            </a:fld>
+            <a:endParaRPr lang="de-DE" sz="4000" dirty="0"/>
+          </a:p>
+        </p:txBody>
+      </p:sp>
+      <p:sp>
+        <p:nvSpPr>
+          <p:cNvPr id="5" name="Rechteck 4">
+            <a:extLst>
+              <a:ext uri="{FF2B5EF4-FFF2-40B4-BE49-F238E27FC236}">
+                <a16:creationId xmlns:a16="http://schemas.microsoft.com/office/drawing/2014/main" id="{E77093E7-ACBD-45E5-9378-50E48D0F29D6}"/>
               </a:ext>
             </a:extLst>
           </p:cNvPr>
@@ -8508,8 +9055,8 @@
         </p:nvSpPr>
         <p:spPr>
           <a:xfrm>
-            <a:off x="1576251" y="3814354"/>
-            <a:ext cx="8081555" cy="2203269"/>
+            <a:off x="4119154" y="3074125"/>
+            <a:ext cx="8020592" cy="3714207"/>
           </a:xfrm>
           <a:prstGeom prst="rect">
             <a:avLst/>
@@ -8544,10 +9091,10 @@
       </p:sp>
       <p:sp>
         <p:nvSpPr>
-          <p:cNvPr id="5" name="Rechteck 4">
-            <a:extLst>
-              <a:ext uri="{FF2B5EF4-FFF2-40B4-BE49-F238E27FC236}">
-                <a16:creationId xmlns:a16="http://schemas.microsoft.com/office/drawing/2014/main" id="{1676BC26-6A32-4F71-A6F3-A6AC92C84B90}"/>
+          <p:cNvPr id="6" name="Rechteck 5">
+            <a:extLst>
+              <a:ext uri="{FF2B5EF4-FFF2-40B4-BE49-F238E27FC236}">
+                <a16:creationId xmlns:a16="http://schemas.microsoft.com/office/drawing/2014/main" id="{4DF9B8F2-8C86-4693-9A8D-0C8206E2C95A}"/>
               </a:ext>
             </a:extLst>
           </p:cNvPr>
@@ -8556,8 +9103,8 @@
         </p:nvSpPr>
         <p:spPr>
           <a:xfrm>
-            <a:off x="2464526" y="3910149"/>
-            <a:ext cx="7114903" cy="2011680"/>
+            <a:off x="5000137" y="3558949"/>
+            <a:ext cx="7061232" cy="3133590"/>
           </a:xfrm>
           <a:prstGeom prst="rect">
             <a:avLst/>
@@ -8592,10 +9139,10 @@
       </p:sp>
       <p:sp>
         <p:nvSpPr>
-          <p:cNvPr id="6" name="Rechteck 5">
-            <a:extLst>
-              <a:ext uri="{FF2B5EF4-FFF2-40B4-BE49-F238E27FC236}">
-                <a16:creationId xmlns:a16="http://schemas.microsoft.com/office/drawing/2014/main" id="{1727E145-B31E-454F-8D08-9AA427954501}"/>
+          <p:cNvPr id="7" name="Rechteck 6">
+            <a:extLst>
+              <a:ext uri="{FF2B5EF4-FFF2-40B4-BE49-F238E27FC236}">
+                <a16:creationId xmlns:a16="http://schemas.microsoft.com/office/drawing/2014/main" id="{8E0273F7-B330-49AD-929E-AD2E7C0973D8}"/>
               </a:ext>
             </a:extLst>
           </p:cNvPr>
@@ -8604,8 +9151,8 @@
         </p:nvSpPr>
         <p:spPr>
           <a:xfrm>
-            <a:off x="3317966" y="4023360"/>
-            <a:ext cx="6200503" cy="1828800"/>
+            <a:off x="5846679" y="4161229"/>
+            <a:ext cx="6153730" cy="2461641"/>
           </a:xfrm>
           <a:prstGeom prst="rect">
             <a:avLst/>
@@ -8640,10 +9187,10 @@
       </p:sp>
       <p:sp>
         <p:nvSpPr>
-          <p:cNvPr id="7" name="Rechteck 6">
-            <a:extLst>
-              <a:ext uri="{FF2B5EF4-FFF2-40B4-BE49-F238E27FC236}">
-                <a16:creationId xmlns:a16="http://schemas.microsoft.com/office/drawing/2014/main" id="{DEE53C16-9672-44F0-9E20-82C54FE1B262}"/>
+          <p:cNvPr id="8" name="Rechteck 7">
+            <a:extLst>
+              <a:ext uri="{FF2B5EF4-FFF2-40B4-BE49-F238E27FC236}">
+                <a16:creationId xmlns:a16="http://schemas.microsoft.com/office/drawing/2014/main" id="{312A0972-A10F-486F-8872-E34030BD62B8}"/>
               </a:ext>
             </a:extLst>
           </p:cNvPr>
@@ -8652,8 +9199,8 @@
         </p:nvSpPr>
         <p:spPr>
           <a:xfrm>
-            <a:off x="4032069" y="4110446"/>
-            <a:ext cx="5408022" cy="1654628"/>
+            <a:off x="6554803" y="4683030"/>
+            <a:ext cx="5367227" cy="1852754"/>
           </a:xfrm>
           <a:prstGeom prst="rect">
             <a:avLst/>
@@ -8688,10 +9235,10 @@
       </p:sp>
       <p:sp>
         <p:nvSpPr>
-          <p:cNvPr id="8" name="Rechteck 7">
-            <a:extLst>
-              <a:ext uri="{FF2B5EF4-FFF2-40B4-BE49-F238E27FC236}">
-                <a16:creationId xmlns:a16="http://schemas.microsoft.com/office/drawing/2014/main" id="{3AB9A1B5-5424-4E5C-99A1-4951A0541BFC}"/>
+          <p:cNvPr id="9" name="Rechteck 8">
+            <a:extLst>
+              <a:ext uri="{FF2B5EF4-FFF2-40B4-BE49-F238E27FC236}">
+                <a16:creationId xmlns:a16="http://schemas.microsoft.com/office/drawing/2014/main" id="{B6224413-5F24-4843-B18B-C4A0B807FF63}"/>
               </a:ext>
             </a:extLst>
           </p:cNvPr>
@@ -8700,8 +9247,8 @@
         </p:nvSpPr>
         <p:spPr>
           <a:xfrm>
-            <a:off x="4815840" y="4171406"/>
-            <a:ext cx="4537166" cy="1550125"/>
+            <a:off x="7332006" y="5143992"/>
+            <a:ext cx="4502940" cy="1348248"/>
           </a:xfrm>
           <a:prstGeom prst="rect">
             <a:avLst/>
@@ -8736,10 +9283,10 @@
       </p:sp>
       <p:sp>
         <p:nvSpPr>
-          <p:cNvPr id="9" name="Rechteck 8">
-            <a:extLst>
-              <a:ext uri="{FF2B5EF4-FFF2-40B4-BE49-F238E27FC236}">
-                <a16:creationId xmlns:a16="http://schemas.microsoft.com/office/drawing/2014/main" id="{1BE9E324-6445-47A4-A07A-D72E74562B81}"/>
+          <p:cNvPr id="10" name="Rechteck 9">
+            <a:extLst>
+              <a:ext uri="{FF2B5EF4-FFF2-40B4-BE49-F238E27FC236}">
+                <a16:creationId xmlns:a16="http://schemas.microsoft.com/office/drawing/2014/main" id="{1D2F74BE-4363-406D-9B99-CC2619F0F7A2}"/>
               </a:ext>
             </a:extLst>
           </p:cNvPr>
@@ -8748,8 +9295,8 @@
         </p:nvSpPr>
         <p:spPr>
           <a:xfrm>
-            <a:off x="5564777" y="4267200"/>
-            <a:ext cx="3709852" cy="1375954"/>
+            <a:off x="8074701" y="5596216"/>
+            <a:ext cx="3681867" cy="817646"/>
           </a:xfrm>
           <a:prstGeom prst="rect">
             <a:avLst/>
@@ -8788,7 +9335,7 @@
           <p:cNvPr id="11" name="Textfeld 10">
             <a:extLst>
               <a:ext uri="{FF2B5EF4-FFF2-40B4-BE49-F238E27FC236}">
-                <a16:creationId xmlns:a16="http://schemas.microsoft.com/office/drawing/2014/main" id="{4672F42D-0787-4FAF-A307-21EAF13E065F}"/>
+                <a16:creationId xmlns:a16="http://schemas.microsoft.com/office/drawing/2014/main" id="{D9F74477-BC37-4814-BCEB-29BDFAEF88E9}"/>
               </a:ext>
             </a:extLst>
           </p:cNvPr>
@@ -8797,8 +9344,8 @@
         </p:nvSpPr>
         <p:spPr>
           <a:xfrm>
-            <a:off x="10537370" y="365757"/>
-            <a:ext cx="461555" cy="707886"/>
+            <a:off x="9287937" y="3035633"/>
+            <a:ext cx="2895364" cy="261304"/>
           </a:xfrm>
           <a:prstGeom prst="rect">
             <a:avLst/>
@@ -8811,32 +9358,210 @@
           </a:bodyPr>
           <a:lstStyle/>
           <a:p>
-            <a:fld id="{04F6BF41-6888-4535-91AA-048B1E049C9D}" type="slidenum">
-              <a:rPr lang="de-DE" sz="4000" smtClean="0"/>
-              <a:t>4</a:t>
-            </a:fld>
-            <a:endParaRPr lang="de-DE" sz="4000" dirty="0"/>
+            <a:pPr algn="r"/>
+            <a:r>
+              <a:rPr lang="de-DE" sz="1100" dirty="0" err="1"/>
+              <a:t>ListenElement</a:t>
+            </a:r>
+            <a:endParaRPr lang="de-DE" sz="1100" dirty="0"/>
+          </a:p>
+        </p:txBody>
+      </p:sp>
+      <p:sp>
+        <p:nvSpPr>
+          <p:cNvPr id="12" name="Textfeld 11">
+            <a:extLst>
+              <a:ext uri="{FF2B5EF4-FFF2-40B4-BE49-F238E27FC236}">
+                <a16:creationId xmlns:a16="http://schemas.microsoft.com/office/drawing/2014/main" id="{3030DAB5-9AEF-47A9-9230-BDDD569E1642}"/>
+              </a:ext>
+            </a:extLst>
+          </p:cNvPr>
+          <p:cNvSpPr txBox="1"/>
+          <p:nvPr/>
+        </p:nvSpPr>
+        <p:spPr>
+          <a:xfrm>
+            <a:off x="9187628" y="3522534"/>
+            <a:ext cx="2895364" cy="261304"/>
+          </a:xfrm>
+          <a:prstGeom prst="rect">
+            <a:avLst/>
+          </a:prstGeom>
+          <a:noFill/>
+        </p:spPr>
+        <p:txBody>
+          <a:bodyPr wrap="square" rtlCol="0">
+            <a:spAutoFit/>
+          </a:bodyPr>
+          <a:lstStyle/>
+          <a:p>
+            <a:pPr algn="r"/>
+            <a:r>
+              <a:rPr lang="de-DE" sz="1100" dirty="0" err="1"/>
+              <a:t>ListenElement</a:t>
+            </a:r>
+            <a:endParaRPr lang="de-DE" sz="1100" dirty="0"/>
+          </a:p>
+        </p:txBody>
+      </p:sp>
+      <p:sp>
+        <p:nvSpPr>
+          <p:cNvPr id="13" name="Textfeld 12">
+            <a:extLst>
+              <a:ext uri="{FF2B5EF4-FFF2-40B4-BE49-F238E27FC236}">
+                <a16:creationId xmlns:a16="http://schemas.microsoft.com/office/drawing/2014/main" id="{CF10044A-D24A-4231-9D14-AEB1BBDB4C90}"/>
+              </a:ext>
+            </a:extLst>
+          </p:cNvPr>
+          <p:cNvSpPr txBox="1"/>
+          <p:nvPr/>
+        </p:nvSpPr>
+        <p:spPr>
+          <a:xfrm>
+            <a:off x="9148599" y="4143017"/>
+            <a:ext cx="2895364" cy="261304"/>
+          </a:xfrm>
+          <a:prstGeom prst="rect">
+            <a:avLst/>
+          </a:prstGeom>
+          <a:noFill/>
+        </p:spPr>
+        <p:txBody>
+          <a:bodyPr wrap="square" rtlCol="0">
+            <a:spAutoFit/>
+          </a:bodyPr>
+          <a:lstStyle/>
+          <a:p>
+            <a:pPr algn="r"/>
+            <a:r>
+              <a:rPr lang="de-DE" sz="1100" dirty="0" err="1"/>
+              <a:t>ListenElement</a:t>
+            </a:r>
+            <a:endParaRPr lang="de-DE" sz="1100" dirty="0"/>
+          </a:p>
+        </p:txBody>
+      </p:sp>
+      <p:sp>
+        <p:nvSpPr>
+          <p:cNvPr id="14" name="Textfeld 13">
+            <a:extLst>
+              <a:ext uri="{FF2B5EF4-FFF2-40B4-BE49-F238E27FC236}">
+                <a16:creationId xmlns:a16="http://schemas.microsoft.com/office/drawing/2014/main" id="{E5FABBB0-1C3E-4414-BA50-90F822F53DD8}"/>
+              </a:ext>
+            </a:extLst>
+          </p:cNvPr>
+          <p:cNvSpPr txBox="1"/>
+          <p:nvPr/>
+        </p:nvSpPr>
+        <p:spPr>
+          <a:xfrm>
+            <a:off x="9070226" y="4650997"/>
+            <a:ext cx="2895364" cy="261304"/>
+          </a:xfrm>
+          <a:prstGeom prst="rect">
+            <a:avLst/>
+          </a:prstGeom>
+          <a:noFill/>
+        </p:spPr>
+        <p:txBody>
+          <a:bodyPr wrap="square" rtlCol="0">
+            <a:spAutoFit/>
+          </a:bodyPr>
+          <a:lstStyle/>
+          <a:p>
+            <a:pPr algn="r"/>
+            <a:r>
+              <a:rPr lang="de-DE" sz="1100" dirty="0" err="1"/>
+              <a:t>ListenElement</a:t>
+            </a:r>
+            <a:endParaRPr lang="de-DE" sz="1100" dirty="0"/>
+          </a:p>
+        </p:txBody>
+      </p:sp>
+      <p:sp>
+        <p:nvSpPr>
+          <p:cNvPr id="15" name="Textfeld 14">
+            <a:extLst>
+              <a:ext uri="{FF2B5EF4-FFF2-40B4-BE49-F238E27FC236}">
+                <a16:creationId xmlns:a16="http://schemas.microsoft.com/office/drawing/2014/main" id="{0DFCD898-81B8-48AC-BA35-37312AA1E03D}"/>
+              </a:ext>
+            </a:extLst>
+          </p:cNvPr>
+          <p:cNvSpPr txBox="1"/>
+          <p:nvPr/>
+        </p:nvSpPr>
+        <p:spPr>
+          <a:xfrm>
+            <a:off x="8991842" y="5095134"/>
+            <a:ext cx="2895364" cy="261304"/>
+          </a:xfrm>
+          <a:prstGeom prst="rect">
+            <a:avLst/>
+          </a:prstGeom>
+          <a:noFill/>
+        </p:spPr>
+        <p:txBody>
+          <a:bodyPr wrap="square" rtlCol="0">
+            <a:spAutoFit/>
+          </a:bodyPr>
+          <a:lstStyle/>
+          <a:p>
+            <a:pPr algn="r"/>
+            <a:r>
+              <a:rPr lang="de-DE" sz="1100" dirty="0" err="1"/>
+              <a:t>ListenElement</a:t>
+            </a:r>
+            <a:endParaRPr lang="de-DE" sz="1100" dirty="0"/>
+          </a:p>
+        </p:txBody>
+      </p:sp>
+      <p:sp>
+        <p:nvSpPr>
+          <p:cNvPr id="16" name="Textfeld 15">
+            <a:extLst>
+              <a:ext uri="{FF2B5EF4-FFF2-40B4-BE49-F238E27FC236}">
+                <a16:creationId xmlns:a16="http://schemas.microsoft.com/office/drawing/2014/main" id="{D85E535E-7BC0-433D-BB08-258848631324}"/>
+              </a:ext>
+            </a:extLst>
+          </p:cNvPr>
+          <p:cNvSpPr txBox="1"/>
+          <p:nvPr/>
+        </p:nvSpPr>
+        <p:spPr>
+          <a:xfrm>
+            <a:off x="8899137" y="5546036"/>
+            <a:ext cx="2895364" cy="261304"/>
+          </a:xfrm>
+          <a:prstGeom prst="rect">
+            <a:avLst/>
+          </a:prstGeom>
+          <a:noFill/>
+        </p:spPr>
+        <p:txBody>
+          <a:bodyPr wrap="square" rtlCol="0">
+            <a:spAutoFit/>
+          </a:bodyPr>
+          <a:lstStyle/>
+          <a:p>
+            <a:pPr algn="r"/>
+            <a:r>
+              <a:rPr lang="de-DE" sz="1100" dirty="0" err="1"/>
+              <a:t>ListenElement</a:t>
+            </a:r>
+            <a:endParaRPr lang="de-DE" sz="1100" dirty="0"/>
           </a:p>
         </p:txBody>
       </p:sp>
     </p:spTree>
     <p:extLst>
       <p:ext uri="{BB962C8B-B14F-4D97-AF65-F5344CB8AC3E}">
-        <p14:creationId xmlns:p14="http://schemas.microsoft.com/office/powerpoint/2010/main" val="2578462243"/>
+        <p14:creationId xmlns:p14="http://schemas.microsoft.com/office/powerpoint/2010/main" val="2496967751"/>
       </p:ext>
     </p:extLst>
   </p:cSld>
   <p:clrMapOvr>
     <a:masterClrMapping/>
   </p:clrMapOvr>
-  <mc:AlternateContent xmlns:mc="http://schemas.openxmlformats.org/markup-compatibility/2006">
-    <mc:Choice xmlns:p14="http://schemas.microsoft.com/office/powerpoint/2010/main" Requires="p14">
-      <p:transition spd="slow" p14:dur="2000" advTm="62874"/>
-    </mc:Choice>
-    <mc:Fallback>
-      <p:transition spd="slow" advTm="62874"/>
-    </mc:Fallback>
-  </mc:AlternateContent>
 </p:sld>
 </file>
 
@@ -8880,7 +9605,7 @@
           <a:p>
             <a:r>
               <a:rPr lang="de-DE" dirty="0"/>
-              <a:t>Leere-Liste in Prolog</a:t>
+              <a:t>Leere-Liste in Java</a:t>
             </a:r>
           </a:p>
         </p:txBody>
@@ -8914,7 +9639,21 @@
           <a:p>
             <a:r>
               <a:rPr lang="de-DE" dirty="0"/>
-              <a:t>Leeres Tupel = []</a:t>
+              <a:t>Konstruktor(): </a:t>
+            </a:r>
+          </a:p>
+          <a:p>
+            <a:pPr lvl="1"/>
+            <a:r>
+              <a:rPr lang="de-DE" dirty="0"/>
+              <a:t>1. nichts (leeres Listen-Element)</a:t>
+            </a:r>
+          </a:p>
+          <a:p>
+            <a:pPr lvl="1"/>
+            <a:r>
+              <a:rPr lang="de-DE" dirty="0"/>
+              <a:t>2. Objekt und Listen-Element</a:t>
             </a:r>
           </a:p>
         </p:txBody>
@@ -8955,24 +9694,46 @@
           </a:p>
         </p:txBody>
       </p:sp>
+      <p:pic>
+        <p:nvPicPr>
+          <p:cNvPr id="6" name="Grafik 5">
+            <a:extLst>
+              <a:ext uri="{FF2B5EF4-FFF2-40B4-BE49-F238E27FC236}">
+                <a16:creationId xmlns:a16="http://schemas.microsoft.com/office/drawing/2014/main" id="{83136AB8-78D0-48CE-B9CA-7AD0E7270DAF}"/>
+              </a:ext>
+            </a:extLst>
+          </p:cNvPr>
+          <p:cNvPicPr>
+            <a:picLocks noChangeAspect="1"/>
+          </p:cNvPicPr>
+          <p:nvPr/>
+        </p:nvPicPr>
+        <p:blipFill>
+          <a:blip r:embed="rId2"/>
+          <a:stretch>
+            <a:fillRect/>
+          </a:stretch>
+        </p:blipFill>
+        <p:spPr>
+          <a:xfrm>
+            <a:off x="1655989" y="3732983"/>
+            <a:ext cx="3829050" cy="1238250"/>
+          </a:xfrm>
+          <a:prstGeom prst="rect">
+            <a:avLst/>
+          </a:prstGeom>
+        </p:spPr>
+      </p:pic>
     </p:spTree>
     <p:extLst>
       <p:ext uri="{BB962C8B-B14F-4D97-AF65-F5344CB8AC3E}">
-        <p14:creationId xmlns:p14="http://schemas.microsoft.com/office/powerpoint/2010/main" val="3414332370"/>
+        <p14:creationId xmlns:p14="http://schemas.microsoft.com/office/powerpoint/2010/main" val="890248801"/>
       </p:ext>
     </p:extLst>
   </p:cSld>
   <p:clrMapOvr>
     <a:masterClrMapping/>
   </p:clrMapOvr>
-  <mc:AlternateContent xmlns:mc="http://schemas.openxmlformats.org/markup-compatibility/2006">
-    <mc:Choice xmlns:p14="http://schemas.microsoft.com/office/powerpoint/2010/main" Requires="p14">
-      <p:transition spd="slow" p14:dur="2000" advTm="20324"/>
-    </mc:Choice>
-    <mc:Fallback>
-      <p:transition spd="slow" advTm="20324"/>
-    </mc:Fallback>
-  </mc:AlternateContent>
 </p:sld>
 </file>
 
@@ -8998,7 +9759,7 @@
           <p:cNvPr id="2" name="Titel 1">
             <a:extLst>
               <a:ext uri="{FF2B5EF4-FFF2-40B4-BE49-F238E27FC236}">
-                <a16:creationId xmlns:a16="http://schemas.microsoft.com/office/drawing/2014/main" id="{BEFD8048-1597-460C-9252-8CDC0B74AB3E}"/>
+                <a16:creationId xmlns:a16="http://schemas.microsoft.com/office/drawing/2014/main" id="{9F7988CB-398A-4B7C-9FE7-BB0CBB2EF8DD}"/>
               </a:ext>
             </a:extLst>
           </p:cNvPr>
@@ -9016,7 +9777,7 @@
           <a:p>
             <a:r>
               <a:rPr lang="de-DE" dirty="0"/>
-              <a:t>Listen in Java</a:t>
+              <a:t>Listen in Prolog</a:t>
             </a:r>
           </a:p>
         </p:txBody>
@@ -9026,7 +9787,7 @@
           <p:cNvPr id="3" name="Inhaltsplatzhalter 2">
             <a:extLst>
               <a:ext uri="{FF2B5EF4-FFF2-40B4-BE49-F238E27FC236}">
-                <a16:creationId xmlns:a16="http://schemas.microsoft.com/office/drawing/2014/main" id="{CBFFD15E-166B-4725-A85A-B7BF30D19E8F}"/>
+                <a16:creationId xmlns:a16="http://schemas.microsoft.com/office/drawing/2014/main" id="{29572AD3-D04C-4617-B80A-B5C9553EC30E}"/>
               </a:ext>
             </a:extLst>
           </p:cNvPr>
@@ -9044,79 +9805,17 @@
           <a:p>
             <a:r>
               <a:rPr lang="de-DE" dirty="0"/>
-              <a:t>Liste = Referenz auf das erste Listen-Element</a:t>
-            </a:r>
-          </a:p>
-          <a:p>
-            <a:r>
-              <a:rPr lang="de-DE" dirty="0"/>
-              <a:t>Objekt mit den globalen Variable: </a:t>
-            </a:r>
-          </a:p>
-          <a:p>
-            <a:pPr lvl="1"/>
-            <a:r>
-              <a:rPr lang="de-DE" dirty="0"/>
-              <a:t>Objekt Wert;</a:t>
-            </a:r>
-          </a:p>
-          <a:p>
-            <a:pPr lvl="1"/>
-            <a:r>
-              <a:rPr lang="de-DE" dirty="0"/>
-              <a:t>Listen-Element Rest;</a:t>
-            </a:r>
-          </a:p>
-          <a:p>
-            <a:pPr marL="0" indent="0">
-              <a:buNone/>
-            </a:pPr>
-            <a:endParaRPr lang="de-DE" dirty="0"/>
-          </a:p>
-        </p:txBody>
-      </p:sp>
-      <p:sp>
-        <p:nvSpPr>
-          <p:cNvPr id="4" name="Textfeld 3">
-            <a:extLst>
-              <a:ext uri="{FF2B5EF4-FFF2-40B4-BE49-F238E27FC236}">
-                <a16:creationId xmlns:a16="http://schemas.microsoft.com/office/drawing/2014/main" id="{9F497993-094A-4695-A632-AF6A2150F441}"/>
-              </a:ext>
-            </a:extLst>
-          </p:cNvPr>
-          <p:cNvSpPr txBox="1"/>
-          <p:nvPr/>
-        </p:nvSpPr>
-        <p:spPr>
-          <a:xfrm>
-            <a:off x="10537370" y="365757"/>
-            <a:ext cx="461555" cy="707886"/>
-          </a:xfrm>
-          <a:prstGeom prst="rect">
-            <a:avLst/>
-          </a:prstGeom>
-          <a:noFill/>
-        </p:spPr>
-        <p:txBody>
-          <a:bodyPr wrap="square" rtlCol="0">
-            <a:spAutoFit/>
-          </a:bodyPr>
-          <a:lstStyle/>
-          <a:p>
-            <a:fld id="{04F6BF41-6888-4535-91AA-048B1E049C9D}" type="slidenum">
-              <a:rPr lang="de-DE" sz="4000" smtClean="0"/>
-              <a:t>6</a:t>
-            </a:fld>
-            <a:endParaRPr lang="de-DE" sz="4000" dirty="0"/>
-          </a:p>
-        </p:txBody>
-      </p:sp>
-      <p:sp>
-        <p:nvSpPr>
-          <p:cNvPr id="5" name="Rechteck 4">
-            <a:extLst>
-              <a:ext uri="{FF2B5EF4-FFF2-40B4-BE49-F238E27FC236}">
-                <a16:creationId xmlns:a16="http://schemas.microsoft.com/office/drawing/2014/main" id="{E77093E7-ACBD-45E5-9378-50E48D0F29D6}"/>
+              <a:t>Listen-Element = Tupel(Wert, Listen-Element)</a:t>
+            </a:r>
+          </a:p>
+        </p:txBody>
+      </p:sp>
+      <p:sp>
+        <p:nvSpPr>
+          <p:cNvPr id="4" name="Rechteck 3">
+            <a:extLst>
+              <a:ext uri="{FF2B5EF4-FFF2-40B4-BE49-F238E27FC236}">
+                <a16:creationId xmlns:a16="http://schemas.microsoft.com/office/drawing/2014/main" id="{FC494BB4-CF98-4C00-82EF-7417C98AC70C}"/>
               </a:ext>
             </a:extLst>
           </p:cNvPr>
@@ -9125,8 +9824,8 @@
         </p:nvSpPr>
         <p:spPr>
           <a:xfrm>
-            <a:off x="4119154" y="3074125"/>
-            <a:ext cx="8020592" cy="3714207"/>
+            <a:off x="1576251" y="3814354"/>
+            <a:ext cx="8081555" cy="2203269"/>
           </a:xfrm>
           <a:prstGeom prst="rect">
             <a:avLst/>
@@ -9161,10 +9860,10 @@
       </p:sp>
       <p:sp>
         <p:nvSpPr>
-          <p:cNvPr id="6" name="Rechteck 5">
-            <a:extLst>
-              <a:ext uri="{FF2B5EF4-FFF2-40B4-BE49-F238E27FC236}">
-                <a16:creationId xmlns:a16="http://schemas.microsoft.com/office/drawing/2014/main" id="{4DF9B8F2-8C86-4693-9A8D-0C8206E2C95A}"/>
+          <p:cNvPr id="5" name="Rechteck 4">
+            <a:extLst>
+              <a:ext uri="{FF2B5EF4-FFF2-40B4-BE49-F238E27FC236}">
+                <a16:creationId xmlns:a16="http://schemas.microsoft.com/office/drawing/2014/main" id="{1676BC26-6A32-4F71-A6F3-A6AC92C84B90}"/>
               </a:ext>
             </a:extLst>
           </p:cNvPr>
@@ -9173,8 +9872,8 @@
         </p:nvSpPr>
         <p:spPr>
           <a:xfrm>
-            <a:off x="5000137" y="3558949"/>
-            <a:ext cx="7061232" cy="3133590"/>
+            <a:off x="2464526" y="3910149"/>
+            <a:ext cx="7114903" cy="2011680"/>
           </a:xfrm>
           <a:prstGeom prst="rect">
             <a:avLst/>
@@ -9209,10 +9908,10 @@
       </p:sp>
       <p:sp>
         <p:nvSpPr>
-          <p:cNvPr id="7" name="Rechteck 6">
-            <a:extLst>
-              <a:ext uri="{FF2B5EF4-FFF2-40B4-BE49-F238E27FC236}">
-                <a16:creationId xmlns:a16="http://schemas.microsoft.com/office/drawing/2014/main" id="{8E0273F7-B330-49AD-929E-AD2E7C0973D8}"/>
+          <p:cNvPr id="6" name="Rechteck 5">
+            <a:extLst>
+              <a:ext uri="{FF2B5EF4-FFF2-40B4-BE49-F238E27FC236}">
+                <a16:creationId xmlns:a16="http://schemas.microsoft.com/office/drawing/2014/main" id="{1727E145-B31E-454F-8D08-9AA427954501}"/>
               </a:ext>
             </a:extLst>
           </p:cNvPr>
@@ -9221,8 +9920,8 @@
         </p:nvSpPr>
         <p:spPr>
           <a:xfrm>
-            <a:off x="5846679" y="4161229"/>
-            <a:ext cx="6153730" cy="2461641"/>
+            <a:off x="3317966" y="4023360"/>
+            <a:ext cx="6200503" cy="1828800"/>
           </a:xfrm>
           <a:prstGeom prst="rect">
             <a:avLst/>
@@ -9257,10 +9956,10 @@
       </p:sp>
       <p:sp>
         <p:nvSpPr>
-          <p:cNvPr id="8" name="Rechteck 7">
-            <a:extLst>
-              <a:ext uri="{FF2B5EF4-FFF2-40B4-BE49-F238E27FC236}">
-                <a16:creationId xmlns:a16="http://schemas.microsoft.com/office/drawing/2014/main" id="{312A0972-A10F-486F-8872-E34030BD62B8}"/>
+          <p:cNvPr id="7" name="Rechteck 6">
+            <a:extLst>
+              <a:ext uri="{FF2B5EF4-FFF2-40B4-BE49-F238E27FC236}">
+                <a16:creationId xmlns:a16="http://schemas.microsoft.com/office/drawing/2014/main" id="{DEE53C16-9672-44F0-9E20-82C54FE1B262}"/>
               </a:ext>
             </a:extLst>
           </p:cNvPr>
@@ -9269,8 +9968,8 @@
         </p:nvSpPr>
         <p:spPr>
           <a:xfrm>
-            <a:off x="6554803" y="4683030"/>
-            <a:ext cx="5367227" cy="1852754"/>
+            <a:off x="4032069" y="4110446"/>
+            <a:ext cx="5408022" cy="1654628"/>
           </a:xfrm>
           <a:prstGeom prst="rect">
             <a:avLst/>
@@ -9305,10 +10004,10 @@
       </p:sp>
       <p:sp>
         <p:nvSpPr>
-          <p:cNvPr id="9" name="Rechteck 8">
-            <a:extLst>
-              <a:ext uri="{FF2B5EF4-FFF2-40B4-BE49-F238E27FC236}">
-                <a16:creationId xmlns:a16="http://schemas.microsoft.com/office/drawing/2014/main" id="{B6224413-5F24-4843-B18B-C4A0B807FF63}"/>
+          <p:cNvPr id="8" name="Rechteck 7">
+            <a:extLst>
+              <a:ext uri="{FF2B5EF4-FFF2-40B4-BE49-F238E27FC236}">
+                <a16:creationId xmlns:a16="http://schemas.microsoft.com/office/drawing/2014/main" id="{3AB9A1B5-5424-4E5C-99A1-4951A0541BFC}"/>
               </a:ext>
             </a:extLst>
           </p:cNvPr>
@@ -9317,8 +10016,8 @@
         </p:nvSpPr>
         <p:spPr>
           <a:xfrm>
-            <a:off x="7332006" y="5143992"/>
-            <a:ext cx="4502940" cy="1348248"/>
+            <a:off x="4815840" y="4171406"/>
+            <a:ext cx="4537166" cy="1550125"/>
           </a:xfrm>
           <a:prstGeom prst="rect">
             <a:avLst/>
@@ -9353,10 +10052,10 @@
       </p:sp>
       <p:sp>
         <p:nvSpPr>
-          <p:cNvPr id="10" name="Rechteck 9">
-            <a:extLst>
-              <a:ext uri="{FF2B5EF4-FFF2-40B4-BE49-F238E27FC236}">
-                <a16:creationId xmlns:a16="http://schemas.microsoft.com/office/drawing/2014/main" id="{1D2F74BE-4363-406D-9B99-CC2619F0F7A2}"/>
+          <p:cNvPr id="9" name="Rechteck 8">
+            <a:extLst>
+              <a:ext uri="{FF2B5EF4-FFF2-40B4-BE49-F238E27FC236}">
+                <a16:creationId xmlns:a16="http://schemas.microsoft.com/office/drawing/2014/main" id="{1BE9E324-6445-47A4-A07A-D72E74562B81}"/>
               </a:ext>
             </a:extLst>
           </p:cNvPr>
@@ -9365,8 +10064,8 @@
         </p:nvSpPr>
         <p:spPr>
           <a:xfrm>
-            <a:off x="8074701" y="5596216"/>
-            <a:ext cx="3681867" cy="817646"/>
+            <a:off x="5564777" y="4267200"/>
+            <a:ext cx="3709852" cy="1375954"/>
           </a:xfrm>
           <a:prstGeom prst="rect">
             <a:avLst/>
@@ -9405,7 +10104,7 @@
           <p:cNvPr id="11" name="Textfeld 10">
             <a:extLst>
               <a:ext uri="{FF2B5EF4-FFF2-40B4-BE49-F238E27FC236}">
-                <a16:creationId xmlns:a16="http://schemas.microsoft.com/office/drawing/2014/main" id="{D9F74477-BC37-4814-BCEB-29BDFAEF88E9}"/>
+                <a16:creationId xmlns:a16="http://schemas.microsoft.com/office/drawing/2014/main" id="{4672F42D-0787-4FAF-A307-21EAF13E065F}"/>
               </a:ext>
             </a:extLst>
           </p:cNvPr>
@@ -9414,8 +10113,8 @@
         </p:nvSpPr>
         <p:spPr>
           <a:xfrm>
-            <a:off x="9287937" y="3035633"/>
-            <a:ext cx="2895364" cy="261304"/>
+            <a:off x="10537370" y="365757"/>
+            <a:ext cx="461555" cy="707886"/>
           </a:xfrm>
           <a:prstGeom prst="rect">
             <a:avLst/>
@@ -9428,218 +10127,24 @@
           </a:bodyPr>
           <a:lstStyle/>
           <a:p>
-            <a:pPr algn="r"/>
-            <a:r>
-              <a:rPr lang="de-DE" sz="1100" dirty="0" err="1"/>
-              <a:t>ListenElement</a:t>
-            </a:r>
-            <a:endParaRPr lang="de-DE" sz="1100" dirty="0"/>
-          </a:p>
-        </p:txBody>
-      </p:sp>
-      <p:sp>
-        <p:nvSpPr>
-          <p:cNvPr id="12" name="Textfeld 11">
-            <a:extLst>
-              <a:ext uri="{FF2B5EF4-FFF2-40B4-BE49-F238E27FC236}">
-                <a16:creationId xmlns:a16="http://schemas.microsoft.com/office/drawing/2014/main" id="{3030DAB5-9AEF-47A9-9230-BDDD569E1642}"/>
-              </a:ext>
-            </a:extLst>
-          </p:cNvPr>
-          <p:cNvSpPr txBox="1"/>
-          <p:nvPr/>
-        </p:nvSpPr>
-        <p:spPr>
-          <a:xfrm>
-            <a:off x="9187628" y="3522534"/>
-            <a:ext cx="2895364" cy="261304"/>
-          </a:xfrm>
-          <a:prstGeom prst="rect">
-            <a:avLst/>
-          </a:prstGeom>
-          <a:noFill/>
-        </p:spPr>
-        <p:txBody>
-          <a:bodyPr wrap="square" rtlCol="0">
-            <a:spAutoFit/>
-          </a:bodyPr>
-          <a:lstStyle/>
-          <a:p>
-            <a:pPr algn="r"/>
-            <a:r>
-              <a:rPr lang="de-DE" sz="1100" dirty="0" err="1"/>
-              <a:t>ListenElement</a:t>
-            </a:r>
-            <a:endParaRPr lang="de-DE" sz="1100" dirty="0"/>
-          </a:p>
-        </p:txBody>
-      </p:sp>
-      <p:sp>
-        <p:nvSpPr>
-          <p:cNvPr id="13" name="Textfeld 12">
-            <a:extLst>
-              <a:ext uri="{FF2B5EF4-FFF2-40B4-BE49-F238E27FC236}">
-                <a16:creationId xmlns:a16="http://schemas.microsoft.com/office/drawing/2014/main" id="{CF10044A-D24A-4231-9D14-AEB1BBDB4C90}"/>
-              </a:ext>
-            </a:extLst>
-          </p:cNvPr>
-          <p:cNvSpPr txBox="1"/>
-          <p:nvPr/>
-        </p:nvSpPr>
-        <p:spPr>
-          <a:xfrm>
-            <a:off x="9148599" y="4143017"/>
-            <a:ext cx="2895364" cy="261304"/>
-          </a:xfrm>
-          <a:prstGeom prst="rect">
-            <a:avLst/>
-          </a:prstGeom>
-          <a:noFill/>
-        </p:spPr>
-        <p:txBody>
-          <a:bodyPr wrap="square" rtlCol="0">
-            <a:spAutoFit/>
-          </a:bodyPr>
-          <a:lstStyle/>
-          <a:p>
-            <a:pPr algn="r"/>
-            <a:r>
-              <a:rPr lang="de-DE" sz="1100" dirty="0" err="1"/>
-              <a:t>ListenElement</a:t>
-            </a:r>
-            <a:endParaRPr lang="de-DE" sz="1100" dirty="0"/>
-          </a:p>
-        </p:txBody>
-      </p:sp>
-      <p:sp>
-        <p:nvSpPr>
-          <p:cNvPr id="14" name="Textfeld 13">
-            <a:extLst>
-              <a:ext uri="{FF2B5EF4-FFF2-40B4-BE49-F238E27FC236}">
-                <a16:creationId xmlns:a16="http://schemas.microsoft.com/office/drawing/2014/main" id="{E5FABBB0-1C3E-4414-BA50-90F822F53DD8}"/>
-              </a:ext>
-            </a:extLst>
-          </p:cNvPr>
-          <p:cNvSpPr txBox="1"/>
-          <p:nvPr/>
-        </p:nvSpPr>
-        <p:spPr>
-          <a:xfrm>
-            <a:off x="9070226" y="4650997"/>
-            <a:ext cx="2895364" cy="261304"/>
-          </a:xfrm>
-          <a:prstGeom prst="rect">
-            <a:avLst/>
-          </a:prstGeom>
-          <a:noFill/>
-        </p:spPr>
-        <p:txBody>
-          <a:bodyPr wrap="square" rtlCol="0">
-            <a:spAutoFit/>
-          </a:bodyPr>
-          <a:lstStyle/>
-          <a:p>
-            <a:pPr algn="r"/>
-            <a:r>
-              <a:rPr lang="de-DE" sz="1100" dirty="0" err="1"/>
-              <a:t>ListenElement</a:t>
-            </a:r>
-            <a:endParaRPr lang="de-DE" sz="1100" dirty="0"/>
-          </a:p>
-        </p:txBody>
-      </p:sp>
-      <p:sp>
-        <p:nvSpPr>
-          <p:cNvPr id="15" name="Textfeld 14">
-            <a:extLst>
-              <a:ext uri="{FF2B5EF4-FFF2-40B4-BE49-F238E27FC236}">
-                <a16:creationId xmlns:a16="http://schemas.microsoft.com/office/drawing/2014/main" id="{0DFCD898-81B8-48AC-BA35-37312AA1E03D}"/>
-              </a:ext>
-            </a:extLst>
-          </p:cNvPr>
-          <p:cNvSpPr txBox="1"/>
-          <p:nvPr/>
-        </p:nvSpPr>
-        <p:spPr>
-          <a:xfrm>
-            <a:off x="8991842" y="5095134"/>
-            <a:ext cx="2895364" cy="261304"/>
-          </a:xfrm>
-          <a:prstGeom prst="rect">
-            <a:avLst/>
-          </a:prstGeom>
-          <a:noFill/>
-        </p:spPr>
-        <p:txBody>
-          <a:bodyPr wrap="square" rtlCol="0">
-            <a:spAutoFit/>
-          </a:bodyPr>
-          <a:lstStyle/>
-          <a:p>
-            <a:pPr algn="r"/>
-            <a:r>
-              <a:rPr lang="de-DE" sz="1100" dirty="0" err="1"/>
-              <a:t>ListenElement</a:t>
-            </a:r>
-            <a:endParaRPr lang="de-DE" sz="1100" dirty="0"/>
-          </a:p>
-        </p:txBody>
-      </p:sp>
-      <p:sp>
-        <p:nvSpPr>
-          <p:cNvPr id="16" name="Textfeld 15">
-            <a:extLst>
-              <a:ext uri="{FF2B5EF4-FFF2-40B4-BE49-F238E27FC236}">
-                <a16:creationId xmlns:a16="http://schemas.microsoft.com/office/drawing/2014/main" id="{D85E535E-7BC0-433D-BB08-258848631324}"/>
-              </a:ext>
-            </a:extLst>
-          </p:cNvPr>
-          <p:cNvSpPr txBox="1"/>
-          <p:nvPr/>
-        </p:nvSpPr>
-        <p:spPr>
-          <a:xfrm>
-            <a:off x="8899137" y="5546036"/>
-            <a:ext cx="2895364" cy="261304"/>
-          </a:xfrm>
-          <a:prstGeom prst="rect">
-            <a:avLst/>
-          </a:prstGeom>
-          <a:noFill/>
-        </p:spPr>
-        <p:txBody>
-          <a:bodyPr wrap="square" rtlCol="0">
-            <a:spAutoFit/>
-          </a:bodyPr>
-          <a:lstStyle/>
-          <a:p>
-            <a:pPr algn="r"/>
-            <a:r>
-              <a:rPr lang="de-DE" sz="1100" dirty="0" err="1"/>
-              <a:t>ListenElement</a:t>
-            </a:r>
-            <a:endParaRPr lang="de-DE" sz="1100" dirty="0"/>
+            <a:fld id="{04F6BF41-6888-4535-91AA-048B1E049C9D}" type="slidenum">
+              <a:rPr lang="de-DE" sz="4000" smtClean="0"/>
+              <a:t>6</a:t>
+            </a:fld>
+            <a:endParaRPr lang="de-DE" sz="4000" dirty="0"/>
           </a:p>
         </p:txBody>
       </p:sp>
     </p:spTree>
     <p:extLst>
       <p:ext uri="{BB962C8B-B14F-4D97-AF65-F5344CB8AC3E}">
-        <p14:creationId xmlns:p14="http://schemas.microsoft.com/office/powerpoint/2010/main" val="2496967751"/>
+        <p14:creationId xmlns:p14="http://schemas.microsoft.com/office/powerpoint/2010/main" val="2578462243"/>
       </p:ext>
     </p:extLst>
   </p:cSld>
   <p:clrMapOvr>
     <a:masterClrMapping/>
   </p:clrMapOvr>
-  <mc:AlternateContent xmlns:mc="http://schemas.openxmlformats.org/markup-compatibility/2006">
-    <mc:Choice xmlns:p14="http://schemas.microsoft.com/office/powerpoint/2010/main" Requires="p14">
-      <p:transition spd="slow" p14:dur="2000" advTm="59882"/>
-    </mc:Choice>
-    <mc:Fallback>
-      <p:transition spd="slow" advTm="59882"/>
-    </mc:Fallback>
-  </mc:AlternateContent>
 </p:sld>
 </file>
 
@@ -9683,7 +10188,7 @@
           <a:p>
             <a:r>
               <a:rPr lang="de-DE" dirty="0"/>
-              <a:t>Leere-Liste in Java</a:t>
+              <a:t>Leere-Liste in Prolog</a:t>
             </a:r>
           </a:p>
         </p:txBody>
@@ -9717,21 +10222,7 @@
           <a:p>
             <a:r>
               <a:rPr lang="de-DE" dirty="0"/>
-              <a:t>Konstruktor(): </a:t>
-            </a:r>
-          </a:p>
-          <a:p>
-            <a:pPr lvl="1"/>
-            <a:r>
-              <a:rPr lang="de-DE" dirty="0"/>
-              <a:t>1. Objekt und Listen-Element</a:t>
-            </a:r>
-          </a:p>
-          <a:p>
-            <a:pPr lvl="1"/>
-            <a:r>
-              <a:rPr lang="de-DE" dirty="0"/>
-              <a:t>2. nichts (leeres Listen-Element)</a:t>
+              <a:t>Leeres Tupel = []</a:t>
             </a:r>
           </a:p>
         </p:txBody>
@@ -9772,54 +10263,16 @@
           </a:p>
         </p:txBody>
       </p:sp>
-      <p:pic>
-        <p:nvPicPr>
-          <p:cNvPr id="6" name="Grafik 5">
-            <a:extLst>
-              <a:ext uri="{FF2B5EF4-FFF2-40B4-BE49-F238E27FC236}">
-                <a16:creationId xmlns:a16="http://schemas.microsoft.com/office/drawing/2014/main" id="{83136AB8-78D0-48CE-B9CA-7AD0E7270DAF}"/>
-              </a:ext>
-            </a:extLst>
-          </p:cNvPr>
-          <p:cNvPicPr>
-            <a:picLocks noChangeAspect="1"/>
-          </p:cNvPicPr>
-          <p:nvPr/>
-        </p:nvPicPr>
-        <p:blipFill>
-          <a:blip r:embed="rId2"/>
-          <a:stretch>
-            <a:fillRect/>
-          </a:stretch>
-        </p:blipFill>
-        <p:spPr>
-          <a:xfrm>
-            <a:off x="1655989" y="3732983"/>
-            <a:ext cx="3829050" cy="1238250"/>
-          </a:xfrm>
-          <a:prstGeom prst="rect">
-            <a:avLst/>
-          </a:prstGeom>
-        </p:spPr>
-      </p:pic>
     </p:spTree>
     <p:extLst>
       <p:ext uri="{BB962C8B-B14F-4D97-AF65-F5344CB8AC3E}">
-        <p14:creationId xmlns:p14="http://schemas.microsoft.com/office/powerpoint/2010/main" val="890248801"/>
+        <p14:creationId xmlns:p14="http://schemas.microsoft.com/office/powerpoint/2010/main" val="3414332370"/>
       </p:ext>
     </p:extLst>
   </p:cSld>
   <p:clrMapOvr>
     <a:masterClrMapping/>
   </p:clrMapOvr>
-  <mc:AlternateContent xmlns:mc="http://schemas.openxmlformats.org/markup-compatibility/2006">
-    <mc:Choice xmlns:p14="http://schemas.microsoft.com/office/powerpoint/2010/main" Requires="p14">
-      <p:transition spd="slow" p14:dur="2000" advTm="41439"/>
-    </mc:Choice>
-    <mc:Fallback>
-      <p:transition spd="slow" advTm="41439"/>
-    </mc:Fallback>
-  </mc:AlternateContent>
 </p:sld>
 </file>
 
